--- a/newposter.pptx
+++ b/newposter.pptx
@@ -106,7 +106,7 @@
   </p:defaultTextStyle>
   <p:extLst>
     <p:ext uri="{EFAFB233-063F-42B5-8137-9DF3F51BA10A}">
-      <p15:sldGuideLst xmlns:p15="http://schemas.microsoft.com/office/powerpoint/2012/main">
+      <p15:sldGuideLst xmlns:p15="http://schemas.microsoft.com/office/powerpoint/2012/main" xmlns="">
         <p15:guide id="1" orient="horz" pos="5760">
           <p15:clr>
             <a:srgbClr val="A4A3A4"/>
@@ -4881,11 +4881,7 @@
             </a:r>
             <a:r>
               <a:rPr lang="en-US" sz="7600" dirty="0" smtClean="0"/>
-              <a:t>CONSTRAINT-BASED TEXT </a:t>
-            </a:r>
-            <a:r>
-              <a:rPr lang="en-US" sz="7600" dirty="0" smtClean="0"/>
-              <a:t>GENERATOR</a:t>
+              <a:t>CONSTRAINT-BASED TEXT GENERATOR</a:t>
             </a:r>
             <a:endParaRPr lang="en-US" sz="7600" dirty="0"/>
           </a:p>
@@ -4975,8 +4971,8 @@
         </p:nvSpPr>
         <p:spPr>
           <a:xfrm>
-            <a:off x="13616748" y="2557210"/>
-            <a:ext cx="13011443" cy="3031599"/>
+            <a:off x="15181760" y="3080583"/>
+            <a:ext cx="11488235" cy="2600712"/>
           </a:xfrm>
           <a:prstGeom prst="rect">
             <a:avLst/>
@@ -4998,131 +4994,40 @@
             <a:pPr algn="just"/>
             <a:r>
               <a:rPr lang="en-US" sz="2800" dirty="0" smtClean="0"/>
-              <a:t>Poetry is one of the most expressive ways to use verbal language. </a:t>
+              <a:t>Poetry is one of the most </a:t>
             </a:r>
             <a:r>
               <a:rPr lang="en-US" sz="2800" dirty="0" smtClean="0"/>
-              <a:t>Poems are notoriously difficult to produce, even for humans, and a poem’s content and form is highly dependent on its writer. It is an interesting challenge to produce original poetry that matches the qualitative constraints of style and the formal constraints of rhyme and meter.</a:t>
-            </a:r>
-            <a:endParaRPr lang="en-US" sz="2800" dirty="0" smtClean="0"/>
-          </a:p>
-        </p:txBody>
-      </p:sp>
-      <p:pic>
-        <p:nvPicPr>
-          <p:cNvPr id="14" name="Picture 13"/>
-          <p:cNvPicPr>
-            <a:picLocks noChangeAspect="1"/>
-          </p:cNvPicPr>
-          <p:nvPr/>
-        </p:nvPicPr>
-        <p:blipFill>
-          <a:blip r:embed="rId2"/>
-          <a:stretch>
-            <a:fillRect/>
-          </a:stretch>
-        </p:blipFill>
-        <p:spPr>
-          <a:xfrm>
-            <a:off x="14513439" y="14717061"/>
-            <a:ext cx="3409072" cy="3160426"/>
-          </a:xfrm>
-          <a:prstGeom prst="rect">
-            <a:avLst/>
-          </a:prstGeom>
-          <a:ln>
-            <a:solidFill>
-              <a:schemeClr val="tx1"/>
-            </a:solidFill>
-          </a:ln>
-        </p:spPr>
-      </p:pic>
-      <p:pic>
-        <p:nvPicPr>
-          <p:cNvPr id="15" name="Picture 14"/>
-          <p:cNvPicPr>
-            <a:picLocks noChangeAspect="1"/>
-          </p:cNvPicPr>
-          <p:nvPr/>
-        </p:nvPicPr>
-        <p:blipFill>
-          <a:blip r:embed="rId3"/>
-          <a:stretch>
-            <a:fillRect/>
-          </a:stretch>
-        </p:blipFill>
-        <p:spPr>
-          <a:xfrm>
-            <a:off x="18666463" y="14717061"/>
-            <a:ext cx="7663716" cy="3154557"/>
-          </a:xfrm>
-          <a:prstGeom prst="rect">
-            <a:avLst/>
-          </a:prstGeom>
-          <a:ln>
-            <a:solidFill>
-              <a:schemeClr val="tx1"/>
-            </a:solidFill>
-          </a:ln>
-        </p:spPr>
-      </p:pic>
-      <p:sp>
-        <p:nvSpPr>
-          <p:cNvPr id="12" name="TextBox 11"/>
-          <p:cNvSpPr txBox="1"/>
-          <p:nvPr/>
-        </p:nvSpPr>
-        <p:spPr>
-          <a:xfrm>
-            <a:off x="14513439" y="14728799"/>
-            <a:ext cx="926083" cy="461665"/>
-          </a:xfrm>
-          <a:prstGeom prst="rect">
-            <a:avLst/>
-          </a:prstGeom>
-          <a:noFill/>
-        </p:spPr>
-        <p:txBody>
-          <a:bodyPr wrap="none" rtlCol="0">
-            <a:spAutoFit/>
-          </a:bodyPr>
-          <a:lstStyle/>
-          <a:p>
-            <a:r>
-              <a:rPr lang="en-US" sz="2400" i="1" dirty="0" smtClean="0"/>
-              <a:t>n = 1</a:t>
-            </a:r>
-            <a:endParaRPr lang="en-US" sz="2400" i="1" dirty="0"/>
-          </a:p>
-        </p:txBody>
-      </p:sp>
-      <p:sp>
-        <p:nvSpPr>
-          <p:cNvPr id="17" name="TextBox 16"/>
-          <p:cNvSpPr txBox="1"/>
-          <p:nvPr/>
-        </p:nvSpPr>
-        <p:spPr>
-          <a:xfrm>
-            <a:off x="18666463" y="14698780"/>
-            <a:ext cx="926083" cy="461665"/>
-          </a:xfrm>
-          <a:prstGeom prst="rect">
-            <a:avLst/>
-          </a:prstGeom>
-          <a:noFill/>
-        </p:spPr>
-        <p:txBody>
-          <a:bodyPr wrap="none" rtlCol="0">
-            <a:spAutoFit/>
-          </a:bodyPr>
-          <a:lstStyle/>
-          <a:p>
-            <a:r>
-              <a:rPr lang="en-US" sz="2400" i="1" dirty="0" smtClean="0"/>
-              <a:t>n = 2</a:t>
-            </a:r>
-            <a:endParaRPr lang="en-US" sz="2400" i="1" dirty="0"/>
+              <a:t>expressive and notoriously difficult ways to use language. It </a:t>
+            </a:r>
+            <a:r>
+              <a:rPr lang="en-US" sz="2800" dirty="0" smtClean="0"/>
+              <a:t>is an interesting challenge to produce </a:t>
+            </a:r>
+            <a:r>
+              <a:rPr lang="en-US" sz="2800" dirty="0" smtClean="0"/>
+              <a:t>poetry </a:t>
+            </a:r>
+            <a:r>
+              <a:rPr lang="en-US" sz="2800" dirty="0" smtClean="0"/>
+              <a:t>that matches the </a:t>
+            </a:r>
+            <a:r>
+              <a:rPr lang="en-US" sz="2800" b="1" dirty="0" smtClean="0"/>
+              <a:t>qualitative constraints</a:t>
+            </a:r>
+            <a:r>
+              <a:rPr lang="en-US" sz="2800" dirty="0" smtClean="0"/>
+              <a:t> of style and the </a:t>
+            </a:r>
+            <a:r>
+              <a:rPr lang="en-US" sz="2800" b="1" dirty="0" smtClean="0"/>
+              <a:t>formal constraints</a:t>
+            </a:r>
+            <a:r>
+              <a:rPr lang="en-US" sz="2800" dirty="0" smtClean="0"/>
+              <a:t> of rhyme and meter.</a:t>
+            </a:r>
           </a:p>
         </p:txBody>
       </p:sp>
@@ -5134,7 +5039,7 @@
         </p:nvSpPr>
         <p:spPr>
           <a:xfrm>
-            <a:off x="488476" y="5165742"/>
+            <a:off x="488476" y="5250408"/>
             <a:ext cx="12883115" cy="3031599"/>
           </a:xfrm>
           <a:prstGeom prst="rect">
@@ -5160,17 +5065,8 @@
             </a:pPr>
             <a:r>
               <a:rPr lang="en-US" sz="2800" dirty="0" smtClean="0"/>
-              <a:t>Impose </a:t>
-            </a:r>
-            <a:r>
-              <a:rPr lang="en-US" sz="2800" dirty="0" smtClean="0"/>
-              <a:t>rhyming and syllabic </a:t>
-            </a:r>
-            <a:r>
-              <a:rPr lang="en-US" sz="2800" dirty="0" smtClean="0"/>
-              <a:t>constraints on output</a:t>
-            </a:r>
-            <a:endParaRPr lang="en-US" sz="2800" dirty="0" smtClean="0"/>
+              <a:t>Impose rhyming and syllabic constraints on output</a:t>
+            </a:r>
           </a:p>
           <a:p>
             <a:pPr marL="742950" indent="-742950">
@@ -5211,7 +5107,6 @@
               <a:rPr lang="en-US" sz="2800" dirty="0" smtClean="0"/>
               <a:t>Minimize search space to improve runtime</a:t>
             </a:r>
-            <a:endParaRPr lang="en-US" sz="2800" dirty="0" smtClean="0"/>
           </a:p>
         </p:txBody>
       </p:sp>
@@ -5223,8 +5118,8 @@
         </p:nvSpPr>
         <p:spPr>
           <a:xfrm>
-            <a:off x="769172" y="8743088"/>
-            <a:ext cx="13302889" cy="877163"/>
+            <a:off x="565976" y="8827754"/>
+            <a:ext cx="5842370" cy="877163"/>
           </a:xfrm>
           <a:prstGeom prst="rect">
             <a:avLst/>
@@ -5241,7 +5136,6 @@
               <a:rPr lang="en-US" b="1" dirty="0" smtClean="0"/>
               <a:t>APPROACHES</a:t>
             </a:r>
-            <a:endParaRPr lang="en-US" b="1" dirty="0" smtClean="0"/>
           </a:p>
         </p:txBody>
       </p:sp>
@@ -5293,7 +5187,7 @@
         </p:nvSpPr>
         <p:spPr>
           <a:xfrm>
-            <a:off x="15181760" y="8304506"/>
+            <a:off x="15393425" y="11648813"/>
             <a:ext cx="12513984" cy="877163"/>
           </a:xfrm>
           <a:prstGeom prst="rect">
@@ -5314,7 +5208,6 @@
               <a:rPr lang="en-US" b="1" dirty="0" smtClean="0"/>
               <a:t>ANALYSIS</a:t>
             </a:r>
-            <a:endParaRPr lang="en-US" b="1" dirty="0" smtClean="0"/>
           </a:p>
         </p:txBody>
       </p:sp>
@@ -5327,7 +5220,7 @@
         <p:spPr>
           <a:xfrm>
             <a:off x="487273" y="3097616"/>
-            <a:ext cx="13012646" cy="1738938"/>
+            <a:ext cx="11349127" cy="1738938"/>
           </a:xfrm>
           <a:prstGeom prst="rect">
             <a:avLst/>
@@ -5350,11 +5243,7 @@
             <a:pPr algn="just"/>
             <a:r>
               <a:rPr lang="en-US" sz="2800" dirty="0" smtClean="0"/>
-              <a:t>Our goal is to develop a </a:t>
-            </a:r>
-            <a:r>
-              <a:rPr lang="en-US" sz="2800" dirty="0" smtClean="0"/>
-              <a:t>text generator that produces original poetry given a body of previous work and constraints on poetic form.</a:t>
+              <a:t>Our goal is to develop a text generator that produces original poetry given a body of previous work and constraints on poetic form.</a:t>
             </a:r>
             <a:endParaRPr lang="en-US" sz="2800" dirty="0"/>
           </a:p>
@@ -5414,8 +5303,8 @@
         </p:nvSpPr>
         <p:spPr>
           <a:xfrm>
-            <a:off x="13325302" y="9710936"/>
-            <a:ext cx="13302889" cy="4570482"/>
+            <a:off x="8875709" y="13618150"/>
+            <a:ext cx="7253293" cy="4770537"/>
           </a:xfrm>
           <a:prstGeom prst="rect">
             <a:avLst/>
@@ -5428,69 +5317,122 @@
           </a:bodyPr>
           <a:lstStyle/>
           <a:p>
-            <a:r>
-              <a:rPr lang="en-US" sz="4400" b="1" dirty="0" smtClean="0"/>
+            <a:pPr algn="just"/>
+            <a:r>
+              <a:rPr lang="en-US" sz="3600" b="1" dirty="0" smtClean="0"/>
               <a:t>Model</a:t>
             </a:r>
-            <a:endParaRPr lang="en-US" b="1" i="1" dirty="0" smtClean="0"/>
+            <a:endParaRPr lang="en-US" sz="3600" b="1" i="1" dirty="0" smtClean="0"/>
           </a:p>
           <a:p>
             <a:pPr algn="just"/>
             <a:r>
               <a:rPr lang="en-US" sz="2800" dirty="0" smtClean="0"/>
-              <a:t>Our model is backed by a Poetry object, storing:</a:t>
-            </a:r>
-          </a:p>
-          <a:p>
-            <a:pPr marL="571500" indent="-571500" algn="just">
-              <a:buFont typeface="Arial" panose="020B0604020202020204" pitchFamily="34" charset="0"/>
-              <a:buChar char="•"/>
-            </a:pPr>
+              <a:t>Our </a:t>
+            </a:r>
+            <a:r>
+              <a:rPr lang="en-US" sz="2800" b="1" dirty="0" smtClean="0"/>
+              <a:t>Poetry object </a:t>
+            </a:r>
             <a:r>
               <a:rPr lang="en-US" sz="2800" dirty="0" smtClean="0"/>
-              <a:t>A list of Line objects, which store:</a:t>
-            </a:r>
-          </a:p>
-          <a:p>
-            <a:pPr marL="1877766" lvl="1" indent="-571500" algn="just">
-              <a:buFont typeface="Arial" panose="020B0604020202020204" pitchFamily="34" charset="0"/>
-              <a:buChar char="•"/>
-            </a:pPr>
+              <a:t>stores:</a:t>
+            </a:r>
+            <a:endParaRPr lang="en-US" sz="2800" dirty="0" smtClean="0"/>
+          </a:p>
+          <a:p>
+            <a:pPr algn="just"/>
+            <a:r>
+              <a:rPr lang="en-US" sz="2800" dirty="0" smtClean="0"/>
+              <a:t>A list of </a:t>
+            </a:r>
+            <a:r>
+              <a:rPr lang="en-US" sz="2800" b="1" dirty="0" smtClean="0"/>
+              <a:t>Line objects</a:t>
+            </a:r>
+            <a:r>
+              <a:rPr lang="en-US" sz="2800" dirty="0" smtClean="0"/>
+              <a:t>, which store:</a:t>
+            </a:r>
+          </a:p>
+          <a:p>
+            <a:pPr algn="just"/>
+            <a:r>
+              <a:rPr lang="en-US" sz="2800" dirty="0" smtClean="0"/>
+              <a:t>    </a:t>
+            </a:r>
+            <a:r>
+              <a:rPr lang="en-US" sz="2800" dirty="0" smtClean="0"/>
+              <a:t>  </a:t>
+            </a:r>
+            <a:r>
+              <a:rPr lang="en-US" sz="2800" dirty="0" smtClean="0"/>
+              <a:t>- Number </a:t>
+            </a:r>
             <a:r>
               <a:rPr lang="en-US" sz="2800" dirty="0"/>
-              <a:t>Number of completed syllables in the line</a:t>
-            </a:r>
-          </a:p>
-          <a:p>
-            <a:pPr marL="1877766" lvl="1" indent="-571500" algn="just">
-              <a:buFont typeface="Arial" panose="020B0604020202020204" pitchFamily="34" charset="0"/>
-              <a:buChar char="•"/>
-            </a:pPr>
+              <a:t>of completed </a:t>
+            </a:r>
+            <a:r>
+              <a:rPr lang="en-US" sz="2800" dirty="0" smtClean="0"/>
+              <a:t>syllables</a:t>
+            </a:r>
+          </a:p>
+          <a:p>
+            <a:pPr algn="just"/>
+            <a:r>
+              <a:rPr lang="en-US" sz="2800" dirty="0" smtClean="0"/>
+              <a:t>        </a:t>
+            </a:r>
             <a:r>
               <a:rPr lang="en-US" sz="2800" dirty="0"/>
-              <a:t>Other lines which it will rhyme </a:t>
+              <a:t>in the </a:t>
+            </a:r>
+            <a:r>
+              <a:rPr lang="en-US" sz="2800" dirty="0" smtClean="0"/>
+              <a:t>line</a:t>
+            </a:r>
+          </a:p>
+          <a:p>
+            <a:pPr algn="just"/>
+            <a:r>
+              <a:rPr lang="en-US" sz="2800" dirty="0"/>
+              <a:t> </a:t>
+            </a:r>
+            <a:r>
+              <a:rPr lang="en-US" sz="2800" dirty="0" smtClean="0"/>
+              <a:t>     - </a:t>
+            </a:r>
+            <a:r>
+              <a:rPr lang="en-US" sz="2800" dirty="0" smtClean="0"/>
+              <a:t>Other </a:t>
+            </a:r>
+            <a:r>
+              <a:rPr lang="en-US" sz="2800" dirty="0"/>
+              <a:t>lines </a:t>
+            </a:r>
+            <a:r>
+              <a:rPr lang="en-US" sz="2800" dirty="0" smtClean="0"/>
+              <a:t>it </a:t>
+            </a:r>
+            <a:r>
+              <a:rPr lang="en-US" sz="2800" dirty="0"/>
+              <a:t>will rhyme </a:t>
             </a:r>
             <a:r>
               <a:rPr lang="en-US" sz="2800" dirty="0" smtClean="0"/>
               <a:t>with</a:t>
             </a:r>
-            <a:endParaRPr lang="en-US" sz="2800" dirty="0" smtClean="0"/>
-          </a:p>
-          <a:p>
-            <a:pPr marL="571500" indent="-571500" algn="just">
-              <a:buFont typeface="Arial" panose="020B0604020202020204" pitchFamily="34" charset="0"/>
-              <a:buChar char="•"/>
-            </a:pPr>
+          </a:p>
+          <a:p>
+            <a:pPr algn="just"/>
             <a:r>
               <a:rPr lang="en-US" sz="2800" dirty="0" smtClean="0"/>
               <a:t>The current Line</a:t>
             </a:r>
           </a:p>
           <a:p>
-            <a:pPr marL="571500" indent="-571500" algn="just">
-              <a:buFont typeface="Arial" panose="020B0604020202020204" pitchFamily="34" charset="0"/>
-              <a:buChar char="•"/>
-            </a:pPr>
+            <a:pPr algn="just"/>
             <a:r>
               <a:rPr lang="en-US" sz="2800" dirty="0" smtClean="0"/>
               <a:t>The number of completed Lines</a:t>
@@ -5517,22 +5459,22 @@
         </p:nvGrpSpPr>
         <p:grpSpPr>
           <a:xfrm>
-            <a:off x="769170" y="9818725"/>
-            <a:ext cx="12206720" cy="7723703"/>
-            <a:chOff x="-2145551" y="10494851"/>
-            <a:chExt cx="12206720" cy="7723703"/>
+            <a:off x="743771" y="10038862"/>
+            <a:ext cx="7849897" cy="7593571"/>
+            <a:chOff x="-2450350" y="10757321"/>
+            <a:chExt cx="7849897" cy="7593571"/>
           </a:xfrm>
         </p:grpSpPr>
         <p:sp>
           <p:nvSpPr>
-            <p:cNvPr id="24" name="TextBox 23"/>
+            <p:cNvPr id="25" name="TextBox 24"/>
             <p:cNvSpPr txBox="1"/>
             <p:nvPr/>
           </p:nvSpPr>
           <p:spPr>
             <a:xfrm>
-              <a:off x="4452352" y="12401577"/>
-              <a:ext cx="5608816" cy="5816977"/>
+              <a:off x="-2450350" y="10757321"/>
+              <a:ext cx="5639173" cy="3231654"/>
             </a:xfrm>
             <a:prstGeom prst="rect">
               <a:avLst/>
@@ -5547,7 +5489,85 @@
             <a:p>
               <a:r>
                 <a:rPr lang="en-US" sz="3600" b="1" dirty="0" smtClean="0"/>
-                <a:t>Constraint</a:t>
+                <a:t>Algorithm</a:t>
+              </a:r>
+            </a:p>
+            <a:p>
+              <a:pPr algn="just"/>
+              <a:r>
+                <a:rPr lang="en-US" sz="2800" dirty="0"/>
+                <a:t>The generation is represented as a </a:t>
+              </a:r>
+              <a:r>
+                <a:rPr lang="en-US" sz="2800" b="1" dirty="0"/>
+                <a:t>depth-first search</a:t>
+              </a:r>
+              <a:r>
+                <a:rPr lang="en-US" sz="2800" dirty="0"/>
+                <a:t> </a:t>
+              </a:r>
+              <a:r>
+                <a:rPr lang="en-US" sz="2800" dirty="0" smtClean="0"/>
+                <a:t>problem where search backtracks upon constraint </a:t>
+              </a:r>
+              <a:r>
+                <a:rPr lang="en-US" sz="2800" dirty="0" smtClean="0"/>
+                <a:t>violation, where </a:t>
+              </a:r>
+              <a:r>
+                <a:rPr lang="en-US" sz="2800" b="1" dirty="0" smtClean="0"/>
+                <a:t>constraints</a:t>
+              </a:r>
+              <a:r>
+                <a:rPr lang="en-US" sz="2800" dirty="0" smtClean="0"/>
+                <a:t> are enforced </a:t>
+              </a:r>
+              <a:r>
+                <a:rPr lang="en-US" sz="2800" b="1" dirty="0" smtClean="0"/>
+                <a:t>within lines</a:t>
+              </a:r>
+              <a:r>
+                <a:rPr lang="en-US" sz="2800" dirty="0" smtClean="0"/>
+                <a:t> (syllables) and </a:t>
+              </a:r>
+              <a:r>
+                <a:rPr lang="en-US" sz="2800" b="1" dirty="0" smtClean="0"/>
+                <a:t>between lines </a:t>
+              </a:r>
+              <a:r>
+                <a:rPr lang="en-US" sz="2800" dirty="0" smtClean="0"/>
+                <a:t>(rhyming).</a:t>
+              </a:r>
+              <a:endParaRPr lang="en-US" sz="2800" dirty="0" smtClean="0"/>
+            </a:p>
+          </p:txBody>
+        </p:sp>
+        <p:sp>
+          <p:nvSpPr>
+            <p:cNvPr id="26" name="TextBox 25"/>
+            <p:cNvSpPr txBox="1"/>
+            <p:nvPr/>
+          </p:nvSpPr>
+          <p:spPr>
+            <a:xfrm>
+              <a:off x="-2450349" y="14257463"/>
+              <a:ext cx="7849896" cy="4093429"/>
+            </a:xfrm>
+            <a:prstGeom prst="rect">
+              <a:avLst/>
+            </a:prstGeom>
+            <a:noFill/>
+          </p:spPr>
+          <p:txBody>
+            <a:bodyPr wrap="square" rtlCol="0">
+              <a:spAutoFit/>
+            </a:bodyPr>
+            <a:lstStyle/>
+            <a:p>
+              <a:pPr algn="just"/>
+              <a:r>
+                <a:rPr lang="en-US" sz="3600" b="1" dirty="0" smtClean="0"/>
+                <a:t>Generation</a:t>
               </a:r>
               <a:endParaRPr lang="en-US" sz="4400" b="1" dirty="0" smtClean="0"/>
             </a:p>
@@ -5555,47 +5575,209 @@
               <a:pPr algn="just"/>
               <a:r>
                 <a:rPr lang="en-US" sz="2800" dirty="0" smtClean="0"/>
-                <a:t>Within Line:</a:t>
+                <a:t>The search problem is represented thus:</a:t>
               </a:r>
             </a:p>
             <a:p>
               <a:pPr algn="just"/>
               <a:r>
                 <a:rPr lang="en-US" sz="2800" dirty="0" smtClean="0"/>
-                <a:t>Each Line must contain a given number of syllables. This was imposed by a heuristic function that maps words to their IPA representation.</a:t>
-              </a:r>
-            </a:p>
-            <a:p>
-              <a:pPr algn="just"/>
-              <a:endParaRPr lang="en-US" sz="2800" dirty="0"/>
-            </a:p>
-            <a:p>
-              <a:pPr algn="just"/>
-              <a:r>
-                <a:rPr lang="en-US" sz="2800" dirty="0" smtClean="0"/>
-                <a:t>Between Lines:</a:t>
+                <a:t>State: a (Poem, seed) tuple,</a:t>
               </a:r>
             </a:p>
             <a:p>
               <a:pPr algn="just"/>
               <a:r>
                 <a:rPr lang="en-US" sz="2800" dirty="0" smtClean="0"/>
-                <a:t>Given pairs of Lines must end with rhyming words. This was imposed by a heuristic function that matches IPA suffixes.</a:t>
+                <a:t>where seed is the </a:t>
+              </a:r>
+              <a:r>
+                <a:rPr lang="en-US" sz="2800" i="1" dirty="0" smtClean="0"/>
+                <a:t> </a:t>
+              </a:r>
+              <a:r>
+                <a:rPr lang="en-US" sz="2800" b="1" i="1" dirty="0" smtClean="0"/>
+                <a:t>n-</a:t>
+              </a:r>
+              <a:r>
+                <a:rPr lang="en-US" sz="2800" b="1" dirty="0" smtClean="0"/>
+                <a:t>gram</a:t>
+              </a:r>
+              <a:r>
+                <a:rPr lang="en-US" sz="2800" dirty="0" smtClean="0"/>
+                <a:t> sequence</a:t>
+              </a:r>
+            </a:p>
+            <a:p>
+              <a:pPr algn="just"/>
+              <a:r>
+                <a:rPr lang="en-US" sz="2800" dirty="0" smtClean="0"/>
+                <a:t>Goal state: any state with a fully completed Poem</a:t>
+              </a:r>
+            </a:p>
+            <a:p>
+              <a:pPr algn="just"/>
+              <a:r>
+                <a:rPr lang="en-US" sz="2800" dirty="0" smtClean="0"/>
+                <a:t>Action: adding another word to the Poem</a:t>
+              </a:r>
+            </a:p>
+            <a:p>
+              <a:pPr algn="just"/>
+              <a:r>
+                <a:rPr lang="en-US" sz="2800" dirty="0" smtClean="0"/>
+                <a:t>Successors: all states with a legitimate </a:t>
+              </a:r>
+              <a:r>
+                <a:rPr lang="en-US" sz="2800" i="1" dirty="0" smtClean="0"/>
+                <a:t>n-</a:t>
+              </a:r>
+              <a:r>
+                <a:rPr lang="en-US" sz="2800" dirty="0" smtClean="0"/>
+                <a:t>gram-generated word added to the Poem’s current Line</a:t>
+              </a:r>
+            </a:p>
+            <a:p>
+              <a:pPr algn="just"/>
+              <a:r>
+                <a:rPr lang="en-US" sz="2800" dirty="0" smtClean="0"/>
+                <a:t>Cost: zero</a:t>
               </a:r>
               <a:endParaRPr lang="en-US" sz="2800" dirty="0"/>
             </a:p>
           </p:txBody>
         </p:sp>
+      </p:grpSp>
+      <p:grpSp>
+        <p:nvGrpSpPr>
+          <p:cNvPr id="10" name="Group 9"/>
+          <p:cNvGrpSpPr/>
+          <p:nvPr/>
+        </p:nvGrpSpPr>
+        <p:grpSpPr>
+          <a:xfrm>
+            <a:off x="6865547" y="10025813"/>
+            <a:ext cx="7333055" cy="3172838"/>
+            <a:chOff x="6687745" y="8552613"/>
+            <a:chExt cx="7663716" cy="3172838"/>
+          </a:xfrm>
+        </p:grpSpPr>
+        <p:pic>
+          <p:nvPicPr>
+            <p:cNvPr id="15" name="Picture 14"/>
+            <p:cNvPicPr>
+              <a:picLocks noChangeAspect="1"/>
+            </p:cNvPicPr>
+            <p:nvPr/>
+          </p:nvPicPr>
+          <p:blipFill>
+            <a:blip r:embed="rId2"/>
+            <a:stretch>
+              <a:fillRect/>
+            </a:stretch>
+          </p:blipFill>
+          <p:spPr>
+            <a:xfrm>
+              <a:off x="6687745" y="8570894"/>
+              <a:ext cx="7663716" cy="3154557"/>
+            </a:xfrm>
+            <a:prstGeom prst="rect">
+              <a:avLst/>
+            </a:prstGeom>
+            <a:ln>
+              <a:solidFill>
+                <a:schemeClr val="tx1"/>
+              </a:solidFill>
+            </a:ln>
+          </p:spPr>
+        </p:pic>
         <p:sp>
           <p:nvSpPr>
-            <p:cNvPr id="25" name="TextBox 24"/>
+            <p:cNvPr id="17" name="TextBox 16"/>
             <p:cNvSpPr txBox="1"/>
             <p:nvPr/>
           </p:nvSpPr>
           <p:spPr>
             <a:xfrm>
-              <a:off x="-2145549" y="10494851"/>
-              <a:ext cx="12206718" cy="1754326"/>
+              <a:off x="6713145" y="8552613"/>
+              <a:ext cx="3814043" cy="461665"/>
+            </a:xfrm>
+            <a:prstGeom prst="rect">
+              <a:avLst/>
+            </a:prstGeom>
+            <a:noFill/>
+          </p:spPr>
+          <p:txBody>
+            <a:bodyPr wrap="none" rtlCol="0">
+              <a:spAutoFit/>
+            </a:bodyPr>
+            <a:lstStyle/>
+            <a:p>
+              <a:r>
+                <a:rPr lang="en-US" sz="2400" i="1" dirty="0" smtClean="0"/>
+                <a:t>n = </a:t>
+              </a:r>
+              <a:r>
+                <a:rPr lang="en-US" sz="2400" i="1" dirty="0" smtClean="0"/>
+                <a:t>2, Example Search Tree</a:t>
+              </a:r>
+            </a:p>
+          </p:txBody>
+        </p:sp>
+      </p:grpSp>
+      <p:grpSp>
+        <p:nvGrpSpPr>
+          <p:cNvPr id="31" name="Group 30"/>
+          <p:cNvGrpSpPr/>
+          <p:nvPr/>
+        </p:nvGrpSpPr>
+        <p:grpSpPr>
+          <a:xfrm>
+            <a:off x="10694175" y="6510624"/>
+            <a:ext cx="3409072" cy="3168893"/>
+            <a:chOff x="10694175" y="6171960"/>
+            <a:chExt cx="3409072" cy="3168893"/>
+          </a:xfrm>
+        </p:grpSpPr>
+        <p:pic>
+          <p:nvPicPr>
+            <p:cNvPr id="27" name="Picture 26"/>
+            <p:cNvPicPr>
+              <a:picLocks noChangeAspect="1"/>
+            </p:cNvPicPr>
+            <p:nvPr/>
+          </p:nvPicPr>
+          <p:blipFill>
+            <a:blip r:embed="rId3"/>
+            <a:stretch>
+              <a:fillRect/>
+            </a:stretch>
+          </p:blipFill>
+          <p:spPr>
+            <a:xfrm>
+              <a:off x="10694175" y="6180427"/>
+              <a:ext cx="3409072" cy="3160426"/>
+            </a:xfrm>
+            <a:prstGeom prst="rect">
+              <a:avLst/>
+            </a:prstGeom>
+            <a:ln>
+              <a:solidFill>
+                <a:schemeClr val="tx1"/>
+              </a:solidFill>
+            </a:ln>
+          </p:spPr>
+        </p:pic>
+        <p:sp>
+          <p:nvSpPr>
+            <p:cNvPr id="11" name="TextBox 10"/>
+            <p:cNvSpPr txBox="1"/>
+            <p:nvPr/>
+          </p:nvSpPr>
+          <p:spPr>
+            <a:xfrm>
+              <a:off x="10694175" y="6171960"/>
+              <a:ext cx="1497818" cy="461665"/>
             </a:xfrm>
             <a:prstGeom prst="rect">
               <a:avLst/>
@@ -5609,139 +5791,119 @@
             <a:lstStyle/>
             <a:p>
               <a:r>
-                <a:rPr lang="en-US" sz="4400" b="1" dirty="0" smtClean="0"/>
-                <a:t>Algorithm</a:t>
+                <a:rPr lang="en-US" sz="2400" dirty="0" smtClean="0"/>
+                <a:t>n = 1</a:t>
               </a:r>
-            </a:p>
-            <a:p>
-              <a:r>
-                <a:rPr lang="en-US" sz="3200" dirty="0"/>
-                <a:t>The generation is represented as a depth-first search </a:t>
-              </a:r>
-              <a:r>
-                <a:rPr lang="en-US" sz="3200" dirty="0" smtClean="0"/>
-                <a:t>problem where search backtracks upon constraint violation.</a:t>
-              </a:r>
-            </a:p>
-          </p:txBody>
-        </p:sp>
-        <p:sp>
-          <p:nvSpPr>
-            <p:cNvPr id="26" name="TextBox 25"/>
-            <p:cNvSpPr txBox="1"/>
-            <p:nvPr/>
-          </p:nvSpPr>
-          <p:spPr>
-            <a:xfrm>
-              <a:off x="-2145551" y="12401577"/>
-              <a:ext cx="5853951" cy="5816977"/>
-            </a:xfrm>
-            <a:prstGeom prst="rect">
-              <a:avLst/>
-            </a:prstGeom>
-            <a:noFill/>
-          </p:spPr>
-          <p:txBody>
-            <a:bodyPr wrap="square" rtlCol="0">
-              <a:spAutoFit/>
-            </a:bodyPr>
-            <a:lstStyle/>
-            <a:p>
-              <a:r>
-                <a:rPr lang="en-US" sz="3600" b="1" dirty="0" smtClean="0"/>
-                <a:t>Generation</a:t>
-              </a:r>
-              <a:endParaRPr lang="en-US" sz="4400" b="1" dirty="0" smtClean="0"/>
-            </a:p>
-            <a:p>
-              <a:pPr algn="just"/>
-              <a:r>
-                <a:rPr lang="en-US" sz="2800" dirty="0"/>
-                <a:t>The search problem is represented thus:</a:t>
-              </a:r>
-            </a:p>
-            <a:p>
-              <a:pPr marL="571500" indent="-571500" algn="just">
-                <a:buFont typeface="Arial" panose="020B0604020202020204" pitchFamily="34" charset="0"/>
-                <a:buChar char="•"/>
-              </a:pPr>
-              <a:r>
-                <a:rPr lang="en-US" sz="2800" dirty="0"/>
-                <a:t>State: a (Poem, seed) tuple where the seed is the </a:t>
-              </a:r>
-              <a:r>
-                <a:rPr lang="en-US" sz="2800" i="1" dirty="0"/>
-                <a:t>n-</a:t>
-              </a:r>
-              <a:r>
-                <a:rPr lang="en-US" sz="2800" dirty="0"/>
-                <a:t>gram sequence</a:t>
-              </a:r>
-            </a:p>
-            <a:p>
-              <a:pPr marL="571500" indent="-571500" algn="just">
-                <a:buFont typeface="Arial" panose="020B0604020202020204" pitchFamily="34" charset="0"/>
-                <a:buChar char="•"/>
-              </a:pPr>
-              <a:r>
-                <a:rPr lang="en-US" sz="2800" dirty="0"/>
-                <a:t>Goal state: any state with a fully completed Poem</a:t>
-              </a:r>
-            </a:p>
-            <a:p>
-              <a:pPr marL="571500" indent="-571500" algn="just">
-                <a:buFont typeface="Arial" panose="020B0604020202020204" pitchFamily="34" charset="0"/>
-                <a:buChar char="•"/>
-              </a:pPr>
-              <a:r>
-                <a:rPr lang="en-US" sz="2800" dirty="0"/>
-                <a:t>Action: adding another word to the Poem</a:t>
-              </a:r>
-            </a:p>
-            <a:p>
-              <a:pPr marL="571500" indent="-571500" algn="just">
-                <a:buFont typeface="Arial" panose="020B0604020202020204" pitchFamily="34" charset="0"/>
-                <a:buChar char="•"/>
-              </a:pPr>
-              <a:r>
-                <a:rPr lang="en-US" sz="2800" dirty="0"/>
-                <a:t>Successors: all states </a:t>
-              </a:r>
-              <a:r>
-                <a:rPr lang="en-US" sz="2800" dirty="0" smtClean="0"/>
-                <a:t>with a legitimate </a:t>
-              </a:r>
-              <a:r>
-                <a:rPr lang="en-US" sz="2800" i="1" dirty="0" smtClean="0"/>
-                <a:t>n-</a:t>
-              </a:r>
-              <a:r>
-                <a:rPr lang="en-US" sz="2800" dirty="0" smtClean="0"/>
-                <a:t>gram-generated word </a:t>
-              </a:r>
-              <a:r>
-                <a:rPr lang="en-US" sz="2800" dirty="0"/>
-                <a:t>added to the Poem’s current Line</a:t>
-              </a:r>
-            </a:p>
-            <a:p>
-              <a:pPr marL="571500" indent="-571500" algn="just">
-                <a:buFont typeface="Arial" panose="020B0604020202020204" pitchFamily="34" charset="0"/>
-                <a:buChar char="•"/>
-              </a:pPr>
-              <a:r>
-                <a:rPr lang="en-US" sz="2800" dirty="0"/>
-                <a:t>Cost: </a:t>
-              </a:r>
-              <a:r>
-                <a:rPr lang="en-US" sz="2800" dirty="0" smtClean="0"/>
-                <a:t>zero</a:t>
-              </a:r>
-              <a:endParaRPr lang="en-US" sz="2800" dirty="0"/>
+              <a:endParaRPr lang="en-US" sz="2400" dirty="0"/>
             </a:p>
           </p:txBody>
         </p:sp>
       </p:grpSp>
+      <p:cxnSp>
+        <p:nvCxnSpPr>
+          <p:cNvPr id="28" name="Straight Connector 27"/>
+          <p:cNvCxnSpPr/>
+          <p:nvPr/>
+        </p:nvCxnSpPr>
+        <p:spPr>
+          <a:xfrm>
+            <a:off x="14774335" y="4836554"/>
+            <a:ext cx="0" cy="12308446"/>
+          </a:xfrm>
+          <a:prstGeom prst="line">
+            <a:avLst/>
+          </a:prstGeom>
+          <a:ln w="3175" cmpd="sng">
+            <a:solidFill>
+              <a:schemeClr val="tx1"/>
+            </a:solidFill>
+          </a:ln>
+        </p:spPr>
+        <p:style>
+          <a:lnRef idx="2">
+            <a:schemeClr val="accent1"/>
+          </a:lnRef>
+          <a:fillRef idx="0">
+            <a:schemeClr val="accent1"/>
+          </a:fillRef>
+          <a:effectRef idx="1">
+            <a:schemeClr val="accent1"/>
+          </a:effectRef>
+          <a:fontRef idx="minor">
+            <a:schemeClr val="tx1"/>
+          </a:fontRef>
+        </p:style>
+      </p:cxnSp>
+      <p:cxnSp>
+        <p:nvCxnSpPr>
+          <p:cNvPr id="35" name="Straight Connector 34"/>
+          <p:cNvCxnSpPr/>
+          <p:nvPr/>
+        </p:nvCxnSpPr>
+        <p:spPr>
+          <a:xfrm>
+            <a:off x="11836400" y="6036744"/>
+            <a:ext cx="15167520" cy="0"/>
+          </a:xfrm>
+          <a:prstGeom prst="line">
+            <a:avLst/>
+          </a:prstGeom>
+          <a:ln w="3175" cmpd="sng">
+            <a:solidFill>
+              <a:schemeClr val="tx1"/>
+            </a:solidFill>
+          </a:ln>
+        </p:spPr>
+        <p:style>
+          <a:lnRef idx="2">
+            <a:schemeClr val="accent1"/>
+          </a:lnRef>
+          <a:fillRef idx="0">
+            <a:schemeClr val="accent1"/>
+          </a:fillRef>
+          <a:effectRef idx="1">
+            <a:schemeClr val="accent1"/>
+          </a:effectRef>
+          <a:fontRef idx="minor">
+            <a:schemeClr val="tx1"/>
+          </a:fontRef>
+        </p:style>
+      </p:cxnSp>
+      <p:cxnSp>
+        <p:nvCxnSpPr>
+          <p:cNvPr id="69" name="Straight Connector 68"/>
+          <p:cNvCxnSpPr/>
+          <p:nvPr/>
+        </p:nvCxnSpPr>
+        <p:spPr>
+          <a:xfrm>
+            <a:off x="296036" y="8658422"/>
+            <a:ext cx="9765132" cy="0"/>
+          </a:xfrm>
+          <a:prstGeom prst="line">
+            <a:avLst/>
+          </a:prstGeom>
+          <a:ln w="3175" cmpd="sng">
+            <a:solidFill>
+              <a:schemeClr val="tx1"/>
+            </a:solidFill>
+          </a:ln>
+        </p:spPr>
+        <p:style>
+          <a:lnRef idx="2">
+            <a:schemeClr val="accent1"/>
+          </a:lnRef>
+          <a:fillRef idx="0">
+            <a:schemeClr val="accent1"/>
+          </a:fillRef>
+          <a:effectRef idx="1">
+            <a:schemeClr val="accent1"/>
+          </a:effectRef>
+          <a:fontRef idx="minor">
+            <a:schemeClr val="tx1"/>
+          </a:fontRef>
+        </p:style>
+      </p:cxnSp>
     </p:spTree>
     <p:extLst>
       <p:ext uri="{BB962C8B-B14F-4D97-AF65-F5344CB8AC3E}">

--- a/newposter.pptx
+++ b/newposter.pptx
@@ -106,7 +106,7 @@
   </p:defaultTextStyle>
   <p:extLst>
     <p:ext uri="{EFAFB233-063F-42B5-8137-9DF3F51BA10A}">
-      <p15:sldGuideLst xmlns:p15="http://schemas.microsoft.com/office/powerpoint/2012/main" xmlns="">
+      <p15:sldGuideLst xmlns:p15="http://schemas.microsoft.com/office/powerpoint/2012/main">
         <p15:guide id="1" orient="horz" pos="5760">
           <p15:clr>
             <a:srgbClr val="A4A3A4"/>
@@ -121,6 +121,2460 @@
     </p:ext>
   </p:extLst>
 </p:presentation>
+</file>
+
+<file path=ppt/charts/chart1.xml><?xml version="1.0" encoding="utf-8"?>
+<c:chartSpace xmlns:c="http://schemas.openxmlformats.org/drawingml/2006/chart" xmlns:a="http://schemas.openxmlformats.org/drawingml/2006/main" xmlns:r="http://schemas.openxmlformats.org/officeDocument/2006/relationships">
+  <c:date1904 val="0"/>
+  <c:lang val="en-US"/>
+  <c:roundedCorners val="0"/>
+  <mc:AlternateContent xmlns:mc="http://schemas.openxmlformats.org/markup-compatibility/2006">
+    <mc:Choice xmlns:c14="http://schemas.microsoft.com/office/drawing/2007/8/2/chart" Requires="c14">
+      <c14:style val="102"/>
+    </mc:Choice>
+    <mc:Fallback>
+      <c:style val="2"/>
+    </mc:Fallback>
+  </mc:AlternateContent>
+  <c:chart>
+    <c:title>
+      <c:tx>
+        <c:rich>
+          <a:bodyPr rot="0" spcFirstLastPara="1" vertOverflow="ellipsis" vert="horz" wrap="square" anchor="ctr" anchorCtr="1"/>
+          <a:lstStyle/>
+          <a:p>
+            <a:pPr>
+              <a:defRPr sz="1400" b="0" i="0" u="none" strike="noStrike" kern="1200" spc="0" baseline="0">
+                <a:solidFill>
+                  <a:schemeClr val="tx1">
+                    <a:lumMod val="65000"/>
+                    <a:lumOff val="35000"/>
+                  </a:schemeClr>
+                </a:solidFill>
+                <a:latin typeface="+mn-lt"/>
+                <a:ea typeface="+mn-ea"/>
+                <a:cs typeface="+mn-cs"/>
+              </a:defRPr>
+            </a:pPr>
+            <a:r>
+              <a:rPr lang="en-US"/>
+              <a:t>Analysis of Generator on Chance</a:t>
+            </a:r>
+            <a:r>
+              <a:rPr lang="en-US" baseline="0"/>
+              <a:t> the Rapper Corpus</a:t>
+            </a:r>
+            <a:endParaRPr lang="en-US"/>
+          </a:p>
+        </c:rich>
+      </c:tx>
+      <c:layout/>
+      <c:overlay val="0"/>
+      <c:spPr>
+        <a:noFill/>
+        <a:ln>
+          <a:noFill/>
+        </a:ln>
+        <a:effectLst/>
+      </c:spPr>
+      <c:txPr>
+        <a:bodyPr rot="0" spcFirstLastPara="1" vertOverflow="ellipsis" vert="horz" wrap="square" anchor="ctr" anchorCtr="1"/>
+        <a:lstStyle/>
+        <a:p>
+          <a:pPr>
+            <a:defRPr sz="1400" b="0" i="0" u="none" strike="noStrike" kern="1200" spc="0" baseline="0">
+              <a:solidFill>
+                <a:schemeClr val="tx1">
+                  <a:lumMod val="65000"/>
+                  <a:lumOff val="35000"/>
+                </a:schemeClr>
+              </a:solidFill>
+              <a:latin typeface="+mn-lt"/>
+              <a:ea typeface="+mn-ea"/>
+              <a:cs typeface="+mn-cs"/>
+            </a:defRPr>
+          </a:pPr>
+          <a:endParaRPr lang="en-US"/>
+        </a:p>
+      </c:txPr>
+    </c:title>
+    <c:autoTitleDeleted val="0"/>
+    <c:plotArea>
+      <c:layout/>
+      <c:barChart>
+        <c:barDir val="col"/>
+        <c:grouping val="clustered"/>
+        <c:varyColors val="0"/>
+        <c:ser>
+          <c:idx val="0"/>
+          <c:order val="0"/>
+          <c:tx>
+            <c:v>Percent successful</c:v>
+          </c:tx>
+          <c:spPr>
+            <a:solidFill>
+              <a:srgbClr val="0070C0"/>
+            </a:solidFill>
+            <a:ln>
+              <a:solidFill>
+                <a:srgbClr val="0070C0"/>
+              </a:solidFill>
+            </a:ln>
+            <a:effectLst/>
+          </c:spPr>
+          <c:invertIfNegative val="0"/>
+          <c:cat>
+            <c:strRef>
+              <c:f>Sheet1!$A$5:$A$7</c:f>
+              <c:strCache>
+                <c:ptCount val="3"/>
+                <c:pt idx="0">
+                  <c:v>n=1</c:v>
+                </c:pt>
+                <c:pt idx="1">
+                  <c:v>n=2</c:v>
+                </c:pt>
+                <c:pt idx="2">
+                  <c:v>n=3</c:v>
+                </c:pt>
+              </c:strCache>
+            </c:strRef>
+          </c:cat>
+          <c:val>
+            <c:numRef>
+              <c:f>Sheet1!$M$5:$M$7</c:f>
+              <c:numCache>
+                <c:formatCode>0.000</c:formatCode>
+                <c:ptCount val="3"/>
+                <c:pt idx="0">
+                  <c:v>1</c:v>
+                </c:pt>
+                <c:pt idx="1">
+                  <c:v>0.93333333333333335</c:v>
+                </c:pt>
+                <c:pt idx="2">
+                  <c:v>0.1</c:v>
+                </c:pt>
+              </c:numCache>
+            </c:numRef>
+          </c:val>
+        </c:ser>
+        <c:ser>
+          <c:idx val="1"/>
+          <c:order val="1"/>
+          <c:spPr>
+            <a:solidFill>
+              <a:schemeClr val="accent2"/>
+            </a:solidFill>
+            <a:ln>
+              <a:noFill/>
+            </a:ln>
+            <a:effectLst/>
+          </c:spPr>
+          <c:invertIfNegative val="0"/>
+          <c:cat>
+            <c:strRef>
+              <c:f>Sheet1!$A$5:$A$7</c:f>
+              <c:strCache>
+                <c:ptCount val="3"/>
+                <c:pt idx="0">
+                  <c:v>n=1</c:v>
+                </c:pt>
+                <c:pt idx="1">
+                  <c:v>n=2</c:v>
+                </c:pt>
+                <c:pt idx="2">
+                  <c:v>n=3</c:v>
+                </c:pt>
+              </c:strCache>
+            </c:strRef>
+          </c:cat>
+          <c:val>
+            <c:numRef>
+              <c:f>Sheet1!$N$5:$N$7</c:f>
+              <c:numCache>
+                <c:formatCode>0.000</c:formatCode>
+                <c:ptCount val="3"/>
+              </c:numCache>
+            </c:numRef>
+          </c:val>
+        </c:ser>
+        <c:dLbls>
+          <c:showLegendKey val="0"/>
+          <c:showVal val="0"/>
+          <c:showCatName val="0"/>
+          <c:showSerName val="0"/>
+          <c:showPercent val="0"/>
+          <c:showBubbleSize val="0"/>
+        </c:dLbls>
+        <c:gapWidth val="219"/>
+        <c:axId val="204699728"/>
+        <c:axId val="204696928"/>
+      </c:barChart>
+      <c:barChart>
+        <c:barDir val="col"/>
+        <c:grouping val="clustered"/>
+        <c:varyColors val="0"/>
+        <c:ser>
+          <c:idx val="2"/>
+          <c:order val="2"/>
+          <c:spPr>
+            <a:solidFill>
+              <a:schemeClr val="accent3"/>
+            </a:solidFill>
+            <a:ln>
+              <a:noFill/>
+            </a:ln>
+            <a:effectLst/>
+          </c:spPr>
+          <c:invertIfNegative val="0"/>
+          <c:val>
+            <c:numRef>
+              <c:f>Sheet1!$O$5:$O$7</c:f>
+              <c:numCache>
+                <c:formatCode>0.000</c:formatCode>
+                <c:ptCount val="3"/>
+              </c:numCache>
+            </c:numRef>
+          </c:val>
+        </c:ser>
+        <c:ser>
+          <c:idx val="3"/>
+          <c:order val="3"/>
+          <c:tx>
+            <c:v>Average semantic score</c:v>
+          </c:tx>
+          <c:spPr>
+            <a:solidFill>
+              <a:srgbClr val="C00000"/>
+            </a:solidFill>
+            <a:ln>
+              <a:solidFill>
+                <a:srgbClr val="C00000"/>
+              </a:solidFill>
+            </a:ln>
+            <a:effectLst/>
+          </c:spPr>
+          <c:invertIfNegative val="0"/>
+          <c:val>
+            <c:numRef>
+              <c:f>Sheet1!$P$5:$P$7</c:f>
+              <c:numCache>
+                <c:formatCode>0.000</c:formatCode>
+                <c:ptCount val="3"/>
+                <c:pt idx="0">
+                  <c:v>1.03</c:v>
+                </c:pt>
+                <c:pt idx="1">
+                  <c:v>2.0169999999999999</c:v>
+                </c:pt>
+                <c:pt idx="2">
+                  <c:v>1.571</c:v>
+                </c:pt>
+              </c:numCache>
+            </c:numRef>
+          </c:val>
+        </c:ser>
+        <c:dLbls>
+          <c:showLegendKey val="0"/>
+          <c:showVal val="0"/>
+          <c:showCatName val="0"/>
+          <c:showSerName val="0"/>
+          <c:showPercent val="0"/>
+          <c:showBubbleSize val="0"/>
+        </c:dLbls>
+        <c:gapWidth val="219"/>
+        <c:axId val="207787504"/>
+        <c:axId val="207786944"/>
+      </c:barChart>
+      <c:catAx>
+        <c:axId val="204699728"/>
+        <c:scaling>
+          <c:orientation val="minMax"/>
+        </c:scaling>
+        <c:delete val="0"/>
+        <c:axPos val="b"/>
+        <c:title>
+          <c:tx>
+            <c:rich>
+              <a:bodyPr rot="0" spcFirstLastPara="1" vertOverflow="ellipsis" vert="horz" wrap="square" anchor="ctr" anchorCtr="1"/>
+              <a:lstStyle/>
+              <a:p>
+                <a:pPr>
+                  <a:defRPr sz="1000" b="0" i="0" u="none" strike="noStrike" kern="1200" baseline="0">
+                    <a:solidFill>
+                      <a:schemeClr val="tx1">
+                        <a:lumMod val="65000"/>
+                        <a:lumOff val="35000"/>
+                      </a:schemeClr>
+                    </a:solidFill>
+                    <a:latin typeface="+mn-lt"/>
+                    <a:ea typeface="+mn-ea"/>
+                    <a:cs typeface="+mn-cs"/>
+                  </a:defRPr>
+                </a:pPr>
+                <a:r>
+                  <a:rPr lang="en-US"/>
+                  <a:t>n-gram model</a:t>
+                </a:r>
+              </a:p>
+            </c:rich>
+          </c:tx>
+          <c:layout/>
+          <c:overlay val="0"/>
+          <c:spPr>
+            <a:noFill/>
+            <a:ln>
+              <a:noFill/>
+            </a:ln>
+            <a:effectLst/>
+          </c:spPr>
+          <c:txPr>
+            <a:bodyPr rot="0" spcFirstLastPara="1" vertOverflow="ellipsis" vert="horz" wrap="square" anchor="ctr" anchorCtr="1"/>
+            <a:lstStyle/>
+            <a:p>
+              <a:pPr>
+                <a:defRPr sz="1000" b="0" i="0" u="none" strike="noStrike" kern="1200" baseline="0">
+                  <a:solidFill>
+                    <a:schemeClr val="tx1">
+                      <a:lumMod val="65000"/>
+                      <a:lumOff val="35000"/>
+                    </a:schemeClr>
+                  </a:solidFill>
+                  <a:latin typeface="+mn-lt"/>
+                  <a:ea typeface="+mn-ea"/>
+                  <a:cs typeface="+mn-cs"/>
+                </a:defRPr>
+              </a:pPr>
+              <a:endParaRPr lang="en-US"/>
+            </a:p>
+          </c:txPr>
+        </c:title>
+        <c:numFmt formatCode="General" sourceLinked="1"/>
+        <c:majorTickMark val="none"/>
+        <c:minorTickMark val="none"/>
+        <c:tickLblPos val="nextTo"/>
+        <c:spPr>
+          <a:noFill/>
+          <a:ln w="9525" cap="flat" cmpd="sng" algn="ctr">
+            <a:solidFill>
+              <a:schemeClr val="tx1">
+                <a:lumMod val="15000"/>
+                <a:lumOff val="85000"/>
+              </a:schemeClr>
+            </a:solidFill>
+            <a:round/>
+          </a:ln>
+          <a:effectLst/>
+        </c:spPr>
+        <c:txPr>
+          <a:bodyPr rot="-60000000" spcFirstLastPara="1" vertOverflow="ellipsis" vert="horz" wrap="square" anchor="ctr" anchorCtr="1"/>
+          <a:lstStyle/>
+          <a:p>
+            <a:pPr>
+              <a:defRPr sz="900" b="0" i="0" u="none" strike="noStrike" kern="1200" baseline="0">
+                <a:solidFill>
+                  <a:schemeClr val="tx1">
+                    <a:lumMod val="65000"/>
+                    <a:lumOff val="35000"/>
+                  </a:schemeClr>
+                </a:solidFill>
+                <a:latin typeface="+mn-lt"/>
+                <a:ea typeface="+mn-ea"/>
+                <a:cs typeface="+mn-cs"/>
+              </a:defRPr>
+            </a:pPr>
+            <a:endParaRPr lang="en-US"/>
+          </a:p>
+        </c:txPr>
+        <c:crossAx val="204696928"/>
+        <c:crosses val="autoZero"/>
+        <c:auto val="1"/>
+        <c:lblAlgn val="ctr"/>
+        <c:lblOffset val="100"/>
+        <c:noMultiLvlLbl val="0"/>
+      </c:catAx>
+      <c:valAx>
+        <c:axId val="204696928"/>
+        <c:scaling>
+          <c:orientation val="minMax"/>
+        </c:scaling>
+        <c:delete val="0"/>
+        <c:axPos val="l"/>
+        <c:majorGridlines>
+          <c:spPr>
+            <a:ln w="9525" cap="flat" cmpd="sng" algn="ctr">
+              <a:solidFill>
+                <a:schemeClr val="tx1">
+                  <a:lumMod val="15000"/>
+                  <a:lumOff val="85000"/>
+                </a:schemeClr>
+              </a:solidFill>
+              <a:round/>
+            </a:ln>
+            <a:effectLst/>
+          </c:spPr>
+        </c:majorGridlines>
+        <c:title>
+          <c:tx>
+            <c:rich>
+              <a:bodyPr rot="-5400000" spcFirstLastPara="1" vertOverflow="ellipsis" vert="horz" wrap="square" anchor="ctr" anchorCtr="1"/>
+              <a:lstStyle/>
+              <a:p>
+                <a:pPr>
+                  <a:defRPr sz="1000" b="0" i="0" u="none" strike="noStrike" kern="1200" baseline="0">
+                    <a:solidFill>
+                      <a:schemeClr val="tx1">
+                        <a:lumMod val="65000"/>
+                        <a:lumOff val="35000"/>
+                      </a:schemeClr>
+                    </a:solidFill>
+                    <a:latin typeface="+mn-lt"/>
+                    <a:ea typeface="+mn-ea"/>
+                    <a:cs typeface="+mn-cs"/>
+                  </a:defRPr>
+                </a:pPr>
+                <a:r>
+                  <a:rPr lang="en-US"/>
+                  <a:t>Percent</a:t>
+                </a:r>
+                <a:r>
+                  <a:rPr lang="en-US" baseline="0"/>
+                  <a:t> of runs with solution</a:t>
+                </a:r>
+                <a:endParaRPr lang="en-US"/>
+              </a:p>
+            </c:rich>
+          </c:tx>
+          <c:layout/>
+          <c:overlay val="0"/>
+          <c:spPr>
+            <a:noFill/>
+            <a:ln>
+              <a:noFill/>
+            </a:ln>
+            <a:effectLst/>
+          </c:spPr>
+          <c:txPr>
+            <a:bodyPr rot="-5400000" spcFirstLastPara="1" vertOverflow="ellipsis" vert="horz" wrap="square" anchor="ctr" anchorCtr="1"/>
+            <a:lstStyle/>
+            <a:p>
+              <a:pPr>
+                <a:defRPr sz="1000" b="0" i="0" u="none" strike="noStrike" kern="1200" baseline="0">
+                  <a:solidFill>
+                    <a:schemeClr val="tx1">
+                      <a:lumMod val="65000"/>
+                      <a:lumOff val="35000"/>
+                    </a:schemeClr>
+                  </a:solidFill>
+                  <a:latin typeface="+mn-lt"/>
+                  <a:ea typeface="+mn-ea"/>
+                  <a:cs typeface="+mn-cs"/>
+                </a:defRPr>
+              </a:pPr>
+              <a:endParaRPr lang="en-US"/>
+            </a:p>
+          </c:txPr>
+        </c:title>
+        <c:numFmt formatCode="0.000" sourceLinked="1"/>
+        <c:majorTickMark val="none"/>
+        <c:minorTickMark val="none"/>
+        <c:tickLblPos val="nextTo"/>
+        <c:spPr>
+          <a:noFill/>
+          <a:ln>
+            <a:noFill/>
+          </a:ln>
+          <a:effectLst/>
+        </c:spPr>
+        <c:txPr>
+          <a:bodyPr rot="-60000000" spcFirstLastPara="1" vertOverflow="ellipsis" vert="horz" wrap="square" anchor="ctr" anchorCtr="1"/>
+          <a:lstStyle/>
+          <a:p>
+            <a:pPr>
+              <a:defRPr sz="900" b="0" i="0" u="none" strike="noStrike" kern="1200" baseline="0">
+                <a:solidFill>
+                  <a:schemeClr val="tx1">
+                    <a:lumMod val="65000"/>
+                    <a:lumOff val="35000"/>
+                  </a:schemeClr>
+                </a:solidFill>
+                <a:latin typeface="+mn-lt"/>
+                <a:ea typeface="+mn-ea"/>
+                <a:cs typeface="+mn-cs"/>
+              </a:defRPr>
+            </a:pPr>
+            <a:endParaRPr lang="en-US"/>
+          </a:p>
+        </c:txPr>
+        <c:crossAx val="204699728"/>
+        <c:crosses val="autoZero"/>
+        <c:crossBetween val="between"/>
+      </c:valAx>
+      <c:valAx>
+        <c:axId val="207786944"/>
+        <c:scaling>
+          <c:orientation val="minMax"/>
+        </c:scaling>
+        <c:delete val="0"/>
+        <c:axPos val="r"/>
+        <c:title>
+          <c:tx>
+            <c:rich>
+              <a:bodyPr rot="-5400000" spcFirstLastPara="1" vertOverflow="ellipsis" vert="horz" wrap="square" anchor="ctr" anchorCtr="1"/>
+              <a:lstStyle/>
+              <a:p>
+                <a:pPr>
+                  <a:defRPr sz="1000" b="0" i="0" u="none" strike="noStrike" kern="1200" baseline="0">
+                    <a:solidFill>
+                      <a:schemeClr val="tx1">
+                        <a:lumMod val="65000"/>
+                        <a:lumOff val="35000"/>
+                      </a:schemeClr>
+                    </a:solidFill>
+                    <a:latin typeface="+mn-lt"/>
+                    <a:ea typeface="+mn-ea"/>
+                    <a:cs typeface="+mn-cs"/>
+                  </a:defRPr>
+                </a:pPr>
+                <a:r>
+                  <a:rPr lang="en-US"/>
+                  <a:t>Average semantic score</a:t>
+                </a:r>
+              </a:p>
+            </c:rich>
+          </c:tx>
+          <c:layout/>
+          <c:overlay val="0"/>
+          <c:spPr>
+            <a:noFill/>
+            <a:ln>
+              <a:noFill/>
+            </a:ln>
+            <a:effectLst/>
+          </c:spPr>
+          <c:txPr>
+            <a:bodyPr rot="-5400000" spcFirstLastPara="1" vertOverflow="ellipsis" vert="horz" wrap="square" anchor="ctr" anchorCtr="1"/>
+            <a:lstStyle/>
+            <a:p>
+              <a:pPr>
+                <a:defRPr sz="1000" b="0" i="0" u="none" strike="noStrike" kern="1200" baseline="0">
+                  <a:solidFill>
+                    <a:schemeClr val="tx1">
+                      <a:lumMod val="65000"/>
+                      <a:lumOff val="35000"/>
+                    </a:schemeClr>
+                  </a:solidFill>
+                  <a:latin typeface="+mn-lt"/>
+                  <a:ea typeface="+mn-ea"/>
+                  <a:cs typeface="+mn-cs"/>
+                </a:defRPr>
+              </a:pPr>
+              <a:endParaRPr lang="en-US"/>
+            </a:p>
+          </c:txPr>
+        </c:title>
+        <c:numFmt formatCode="0.000" sourceLinked="1"/>
+        <c:majorTickMark val="out"/>
+        <c:minorTickMark val="none"/>
+        <c:tickLblPos val="nextTo"/>
+        <c:spPr>
+          <a:noFill/>
+          <a:ln>
+            <a:noFill/>
+          </a:ln>
+          <a:effectLst/>
+        </c:spPr>
+        <c:txPr>
+          <a:bodyPr rot="-60000000" spcFirstLastPara="1" vertOverflow="ellipsis" vert="horz" wrap="square" anchor="ctr" anchorCtr="1"/>
+          <a:lstStyle/>
+          <a:p>
+            <a:pPr>
+              <a:defRPr sz="900" b="0" i="0" u="none" strike="noStrike" kern="1200" baseline="0">
+                <a:solidFill>
+                  <a:schemeClr val="tx1">
+                    <a:lumMod val="65000"/>
+                    <a:lumOff val="35000"/>
+                  </a:schemeClr>
+                </a:solidFill>
+                <a:latin typeface="+mn-lt"/>
+                <a:ea typeface="+mn-ea"/>
+                <a:cs typeface="+mn-cs"/>
+              </a:defRPr>
+            </a:pPr>
+            <a:endParaRPr lang="en-US"/>
+          </a:p>
+        </c:txPr>
+        <c:crossAx val="207787504"/>
+        <c:crosses val="max"/>
+        <c:crossBetween val="between"/>
+      </c:valAx>
+      <c:catAx>
+        <c:axId val="207787504"/>
+        <c:scaling>
+          <c:orientation val="minMax"/>
+        </c:scaling>
+        <c:delete val="1"/>
+        <c:axPos val="b"/>
+        <c:majorTickMark val="out"/>
+        <c:minorTickMark val="none"/>
+        <c:tickLblPos val="nextTo"/>
+        <c:crossAx val="207786944"/>
+        <c:crosses val="autoZero"/>
+        <c:auto val="1"/>
+        <c:lblAlgn val="ctr"/>
+        <c:lblOffset val="100"/>
+        <c:noMultiLvlLbl val="0"/>
+      </c:catAx>
+      <c:spPr>
+        <a:noFill/>
+        <a:ln>
+          <a:noFill/>
+        </a:ln>
+        <a:effectLst/>
+      </c:spPr>
+    </c:plotArea>
+    <c:legend>
+      <c:legendPos val="b"/>
+      <c:legendEntry>
+        <c:idx val="1"/>
+        <c:delete val="1"/>
+      </c:legendEntry>
+      <c:legendEntry>
+        <c:idx val="2"/>
+        <c:delete val="1"/>
+      </c:legendEntry>
+      <c:layout/>
+      <c:overlay val="0"/>
+      <c:spPr>
+        <a:noFill/>
+        <a:ln>
+          <a:noFill/>
+        </a:ln>
+        <a:effectLst/>
+      </c:spPr>
+      <c:txPr>
+        <a:bodyPr rot="0" spcFirstLastPara="1" vertOverflow="ellipsis" vert="horz" wrap="square" anchor="ctr" anchorCtr="1"/>
+        <a:lstStyle/>
+        <a:p>
+          <a:pPr>
+            <a:defRPr sz="900" b="0" i="0" u="none" strike="noStrike" kern="1200" baseline="0">
+              <a:solidFill>
+                <a:schemeClr val="tx1">
+                  <a:lumMod val="65000"/>
+                  <a:lumOff val="35000"/>
+                </a:schemeClr>
+              </a:solidFill>
+              <a:latin typeface="+mn-lt"/>
+              <a:ea typeface="+mn-ea"/>
+              <a:cs typeface="+mn-cs"/>
+            </a:defRPr>
+          </a:pPr>
+          <a:endParaRPr lang="en-US"/>
+        </a:p>
+      </c:txPr>
+    </c:legend>
+    <c:plotVisOnly val="1"/>
+    <c:dispBlanksAs val="gap"/>
+    <c:showDLblsOverMax val="0"/>
+  </c:chart>
+  <c:spPr>
+    <a:noFill/>
+    <a:ln>
+      <a:noFill/>
+    </a:ln>
+    <a:effectLst/>
+  </c:spPr>
+  <c:txPr>
+    <a:bodyPr/>
+    <a:lstStyle/>
+    <a:p>
+      <a:pPr>
+        <a:defRPr/>
+      </a:pPr>
+      <a:endParaRPr lang="en-US"/>
+    </a:p>
+  </c:txPr>
+  <c:externalData r:id="rId3">
+    <c:autoUpdate val="0"/>
+  </c:externalData>
+</c:chartSpace>
+</file>
+
+<file path=ppt/charts/chart2.xml><?xml version="1.0" encoding="utf-8"?>
+<c:chartSpace xmlns:c="http://schemas.openxmlformats.org/drawingml/2006/chart" xmlns:a="http://schemas.openxmlformats.org/drawingml/2006/main" xmlns:r="http://schemas.openxmlformats.org/officeDocument/2006/relationships">
+  <c:date1904 val="0"/>
+  <c:lang val="en-US"/>
+  <c:roundedCorners val="0"/>
+  <mc:AlternateContent xmlns:mc="http://schemas.openxmlformats.org/markup-compatibility/2006">
+    <mc:Choice xmlns:c14="http://schemas.microsoft.com/office/drawing/2007/8/2/chart" Requires="c14">
+      <c14:style val="102"/>
+    </mc:Choice>
+    <mc:Fallback>
+      <c:style val="2"/>
+    </mc:Fallback>
+  </mc:AlternateContent>
+  <c:chart>
+    <c:title>
+      <c:tx>
+        <c:rich>
+          <a:bodyPr rot="0" spcFirstLastPara="1" vertOverflow="ellipsis" vert="horz" wrap="square" anchor="ctr" anchorCtr="1"/>
+          <a:lstStyle/>
+          <a:p>
+            <a:pPr>
+              <a:defRPr sz="1400" b="0" i="0" u="none" strike="noStrike" kern="1200" spc="0" baseline="0">
+                <a:solidFill>
+                  <a:schemeClr val="tx1">
+                    <a:lumMod val="65000"/>
+                    <a:lumOff val="35000"/>
+                  </a:schemeClr>
+                </a:solidFill>
+                <a:latin typeface="+mn-lt"/>
+                <a:ea typeface="+mn-ea"/>
+                <a:cs typeface="+mn-cs"/>
+              </a:defRPr>
+            </a:pPr>
+            <a:r>
+              <a:rPr lang="en-US"/>
+              <a:t>Analysis of Generator</a:t>
+            </a:r>
+            <a:r>
+              <a:rPr lang="en-US" baseline="0"/>
+              <a:t> on Kanye West Corpus</a:t>
+            </a:r>
+            <a:endParaRPr lang="en-US"/>
+          </a:p>
+        </c:rich>
+      </c:tx>
+      <c:layout/>
+      <c:overlay val="0"/>
+      <c:spPr>
+        <a:noFill/>
+        <a:ln>
+          <a:noFill/>
+        </a:ln>
+        <a:effectLst/>
+      </c:spPr>
+      <c:txPr>
+        <a:bodyPr rot="0" spcFirstLastPara="1" vertOverflow="ellipsis" vert="horz" wrap="square" anchor="ctr" anchorCtr="1"/>
+        <a:lstStyle/>
+        <a:p>
+          <a:pPr>
+            <a:defRPr sz="1400" b="0" i="0" u="none" strike="noStrike" kern="1200" spc="0" baseline="0">
+              <a:solidFill>
+                <a:schemeClr val="tx1">
+                  <a:lumMod val="65000"/>
+                  <a:lumOff val="35000"/>
+                </a:schemeClr>
+              </a:solidFill>
+              <a:latin typeface="+mn-lt"/>
+              <a:ea typeface="+mn-ea"/>
+              <a:cs typeface="+mn-cs"/>
+            </a:defRPr>
+          </a:pPr>
+          <a:endParaRPr lang="en-US"/>
+        </a:p>
+      </c:txPr>
+    </c:title>
+    <c:autoTitleDeleted val="0"/>
+    <c:plotArea>
+      <c:layout/>
+      <c:barChart>
+        <c:barDir val="col"/>
+        <c:grouping val="clustered"/>
+        <c:varyColors val="0"/>
+        <c:ser>
+          <c:idx val="0"/>
+          <c:order val="0"/>
+          <c:tx>
+            <c:v>Percent successful</c:v>
+          </c:tx>
+          <c:spPr>
+            <a:solidFill>
+              <a:srgbClr val="0070C0"/>
+            </a:solidFill>
+            <a:ln>
+              <a:solidFill>
+                <a:srgbClr val="0070C0"/>
+              </a:solidFill>
+            </a:ln>
+            <a:effectLst/>
+          </c:spPr>
+          <c:invertIfNegative val="0"/>
+          <c:cat>
+            <c:strRef>
+              <c:f>Sheet1!$A$5:$A$7</c:f>
+              <c:strCache>
+                <c:ptCount val="3"/>
+                <c:pt idx="0">
+                  <c:v>n=1</c:v>
+                </c:pt>
+                <c:pt idx="1">
+                  <c:v>n=2</c:v>
+                </c:pt>
+                <c:pt idx="2">
+                  <c:v>n=3</c:v>
+                </c:pt>
+              </c:strCache>
+            </c:strRef>
+          </c:cat>
+          <c:val>
+            <c:numRef>
+              <c:f>Sheet1!$B$5:$B$7</c:f>
+              <c:numCache>
+                <c:formatCode>0.00</c:formatCode>
+                <c:ptCount val="3"/>
+                <c:pt idx="0">
+                  <c:v>1</c:v>
+                </c:pt>
+                <c:pt idx="1">
+                  <c:v>1</c:v>
+                </c:pt>
+                <c:pt idx="2">
+                  <c:v>0.625</c:v>
+                </c:pt>
+              </c:numCache>
+            </c:numRef>
+          </c:val>
+        </c:ser>
+        <c:ser>
+          <c:idx val="1"/>
+          <c:order val="1"/>
+          <c:spPr>
+            <a:solidFill>
+              <a:schemeClr val="accent2"/>
+            </a:solidFill>
+            <a:ln>
+              <a:noFill/>
+            </a:ln>
+            <a:effectLst/>
+          </c:spPr>
+          <c:invertIfNegative val="0"/>
+          <c:cat>
+            <c:strRef>
+              <c:f>Sheet1!$A$5:$A$7</c:f>
+              <c:strCache>
+                <c:ptCount val="3"/>
+                <c:pt idx="0">
+                  <c:v>n=1</c:v>
+                </c:pt>
+                <c:pt idx="1">
+                  <c:v>n=2</c:v>
+                </c:pt>
+                <c:pt idx="2">
+                  <c:v>n=3</c:v>
+                </c:pt>
+              </c:strCache>
+            </c:strRef>
+          </c:cat>
+          <c:val>
+            <c:numRef>
+              <c:f>Sheet1!$C$5:$C$7</c:f>
+              <c:numCache>
+                <c:formatCode>0.00</c:formatCode>
+                <c:ptCount val="3"/>
+              </c:numCache>
+            </c:numRef>
+          </c:val>
+        </c:ser>
+        <c:dLbls>
+          <c:showLegendKey val="0"/>
+          <c:showVal val="0"/>
+          <c:showCatName val="0"/>
+          <c:showSerName val="0"/>
+          <c:showPercent val="0"/>
+          <c:showBubbleSize val="0"/>
+        </c:dLbls>
+        <c:gapWidth val="219"/>
+        <c:axId val="215908016"/>
+        <c:axId val="215902416"/>
+      </c:barChart>
+      <c:barChart>
+        <c:barDir val="col"/>
+        <c:grouping val="clustered"/>
+        <c:varyColors val="0"/>
+        <c:ser>
+          <c:idx val="2"/>
+          <c:order val="2"/>
+          <c:spPr>
+            <a:solidFill>
+              <a:schemeClr val="accent3"/>
+            </a:solidFill>
+            <a:ln>
+              <a:noFill/>
+            </a:ln>
+            <a:effectLst/>
+          </c:spPr>
+          <c:invertIfNegative val="0"/>
+          <c:val>
+            <c:numRef>
+              <c:f>Sheet1!$D$5:$D$7</c:f>
+              <c:numCache>
+                <c:formatCode>0.00</c:formatCode>
+                <c:ptCount val="3"/>
+              </c:numCache>
+            </c:numRef>
+          </c:val>
+        </c:ser>
+        <c:ser>
+          <c:idx val="3"/>
+          <c:order val="3"/>
+          <c:tx>
+            <c:v>Average semantic score</c:v>
+          </c:tx>
+          <c:spPr>
+            <a:solidFill>
+              <a:srgbClr val="C00000"/>
+            </a:solidFill>
+            <a:ln>
+              <a:solidFill>
+                <a:srgbClr val="C00000"/>
+              </a:solidFill>
+            </a:ln>
+            <a:effectLst/>
+          </c:spPr>
+          <c:invertIfNegative val="0"/>
+          <c:val>
+            <c:numRef>
+              <c:f>Sheet1!$E$5:$E$7</c:f>
+              <c:numCache>
+                <c:formatCode>General</c:formatCode>
+                <c:ptCount val="3"/>
+                <c:pt idx="0">
+                  <c:v>1</c:v>
+                </c:pt>
+                <c:pt idx="1">
+                  <c:v>2.3333300000000001</c:v>
+                </c:pt>
+                <c:pt idx="2">
+                  <c:v>2.84</c:v>
+                </c:pt>
+              </c:numCache>
+            </c:numRef>
+          </c:val>
+        </c:ser>
+        <c:dLbls>
+          <c:showLegendKey val="0"/>
+          <c:showVal val="0"/>
+          <c:showCatName val="0"/>
+          <c:showSerName val="0"/>
+          <c:showPercent val="0"/>
+          <c:showBubbleSize val="0"/>
+        </c:dLbls>
+        <c:gapWidth val="219"/>
+        <c:axId val="215911376"/>
+        <c:axId val="215913056"/>
+      </c:barChart>
+      <c:catAx>
+        <c:axId val="215908016"/>
+        <c:scaling>
+          <c:orientation val="minMax"/>
+        </c:scaling>
+        <c:delete val="0"/>
+        <c:axPos val="b"/>
+        <c:title>
+          <c:tx>
+            <c:rich>
+              <a:bodyPr rot="0" spcFirstLastPara="1" vertOverflow="ellipsis" vert="horz" wrap="square" anchor="ctr" anchorCtr="1"/>
+              <a:lstStyle/>
+              <a:p>
+                <a:pPr>
+                  <a:defRPr sz="1000" b="0" i="0" u="none" strike="noStrike" kern="1200" baseline="0">
+                    <a:solidFill>
+                      <a:schemeClr val="tx1">
+                        <a:lumMod val="65000"/>
+                        <a:lumOff val="35000"/>
+                      </a:schemeClr>
+                    </a:solidFill>
+                    <a:latin typeface="+mn-lt"/>
+                    <a:ea typeface="+mn-ea"/>
+                    <a:cs typeface="+mn-cs"/>
+                  </a:defRPr>
+                </a:pPr>
+                <a:r>
+                  <a:rPr lang="en-US"/>
+                  <a:t>n-gram model</a:t>
+                </a:r>
+              </a:p>
+            </c:rich>
+          </c:tx>
+          <c:layout/>
+          <c:overlay val="0"/>
+          <c:spPr>
+            <a:noFill/>
+            <a:ln>
+              <a:noFill/>
+            </a:ln>
+            <a:effectLst/>
+          </c:spPr>
+          <c:txPr>
+            <a:bodyPr rot="0" spcFirstLastPara="1" vertOverflow="ellipsis" vert="horz" wrap="square" anchor="ctr" anchorCtr="1"/>
+            <a:lstStyle/>
+            <a:p>
+              <a:pPr>
+                <a:defRPr sz="1000" b="0" i="0" u="none" strike="noStrike" kern="1200" baseline="0">
+                  <a:solidFill>
+                    <a:schemeClr val="tx1">
+                      <a:lumMod val="65000"/>
+                      <a:lumOff val="35000"/>
+                    </a:schemeClr>
+                  </a:solidFill>
+                  <a:latin typeface="+mn-lt"/>
+                  <a:ea typeface="+mn-ea"/>
+                  <a:cs typeface="+mn-cs"/>
+                </a:defRPr>
+              </a:pPr>
+              <a:endParaRPr lang="en-US"/>
+            </a:p>
+          </c:txPr>
+        </c:title>
+        <c:numFmt formatCode="General" sourceLinked="1"/>
+        <c:majorTickMark val="none"/>
+        <c:minorTickMark val="none"/>
+        <c:tickLblPos val="nextTo"/>
+        <c:spPr>
+          <a:noFill/>
+          <a:ln w="9525" cap="flat" cmpd="sng" algn="ctr">
+            <a:solidFill>
+              <a:schemeClr val="tx1">
+                <a:lumMod val="15000"/>
+                <a:lumOff val="85000"/>
+              </a:schemeClr>
+            </a:solidFill>
+            <a:round/>
+          </a:ln>
+          <a:effectLst/>
+        </c:spPr>
+        <c:txPr>
+          <a:bodyPr rot="-60000000" spcFirstLastPara="1" vertOverflow="ellipsis" vert="horz" wrap="square" anchor="ctr" anchorCtr="1"/>
+          <a:lstStyle/>
+          <a:p>
+            <a:pPr>
+              <a:defRPr sz="900" b="0" i="0" u="none" strike="noStrike" kern="1200" baseline="0">
+                <a:solidFill>
+                  <a:schemeClr val="tx1">
+                    <a:lumMod val="65000"/>
+                    <a:lumOff val="35000"/>
+                  </a:schemeClr>
+                </a:solidFill>
+                <a:latin typeface="+mn-lt"/>
+                <a:ea typeface="+mn-ea"/>
+                <a:cs typeface="+mn-cs"/>
+              </a:defRPr>
+            </a:pPr>
+            <a:endParaRPr lang="en-US"/>
+          </a:p>
+        </c:txPr>
+        <c:crossAx val="215902416"/>
+        <c:crosses val="autoZero"/>
+        <c:auto val="1"/>
+        <c:lblAlgn val="ctr"/>
+        <c:lblOffset val="100"/>
+        <c:noMultiLvlLbl val="0"/>
+      </c:catAx>
+      <c:valAx>
+        <c:axId val="215902416"/>
+        <c:scaling>
+          <c:orientation val="minMax"/>
+        </c:scaling>
+        <c:delete val="0"/>
+        <c:axPos val="l"/>
+        <c:majorGridlines>
+          <c:spPr>
+            <a:ln w="9525" cap="flat" cmpd="sng" algn="ctr">
+              <a:solidFill>
+                <a:schemeClr val="tx1">
+                  <a:lumMod val="15000"/>
+                  <a:lumOff val="85000"/>
+                </a:schemeClr>
+              </a:solidFill>
+              <a:round/>
+            </a:ln>
+            <a:effectLst/>
+          </c:spPr>
+        </c:majorGridlines>
+        <c:title>
+          <c:tx>
+            <c:rich>
+              <a:bodyPr rot="-5400000" spcFirstLastPara="1" vertOverflow="ellipsis" vert="horz" wrap="square" anchor="ctr" anchorCtr="1"/>
+              <a:lstStyle/>
+              <a:p>
+                <a:pPr>
+                  <a:defRPr sz="1000" b="0" i="0" u="none" strike="noStrike" kern="1200" baseline="0">
+                    <a:solidFill>
+                      <a:schemeClr val="tx1">
+                        <a:lumMod val="65000"/>
+                        <a:lumOff val="35000"/>
+                      </a:schemeClr>
+                    </a:solidFill>
+                    <a:latin typeface="+mn-lt"/>
+                    <a:ea typeface="+mn-ea"/>
+                    <a:cs typeface="+mn-cs"/>
+                  </a:defRPr>
+                </a:pPr>
+                <a:r>
+                  <a:rPr lang="en-US"/>
+                  <a:t>Percent of runs with</a:t>
+                </a:r>
+                <a:r>
+                  <a:rPr lang="en-US" baseline="0"/>
+                  <a:t> solution</a:t>
+                </a:r>
+                <a:endParaRPr lang="en-US"/>
+              </a:p>
+            </c:rich>
+          </c:tx>
+          <c:layout>
+            <c:manualLayout>
+              <c:xMode val="edge"/>
+              <c:yMode val="edge"/>
+              <c:x val="2.7777777777777776E-2"/>
+              <c:y val="8.3750000000000005E-2"/>
+            </c:manualLayout>
+          </c:layout>
+          <c:overlay val="0"/>
+          <c:spPr>
+            <a:noFill/>
+            <a:ln>
+              <a:noFill/>
+            </a:ln>
+            <a:effectLst/>
+          </c:spPr>
+          <c:txPr>
+            <a:bodyPr rot="-5400000" spcFirstLastPara="1" vertOverflow="ellipsis" vert="horz" wrap="square" anchor="ctr" anchorCtr="1"/>
+            <a:lstStyle/>
+            <a:p>
+              <a:pPr>
+                <a:defRPr sz="1000" b="0" i="0" u="none" strike="noStrike" kern="1200" baseline="0">
+                  <a:solidFill>
+                    <a:schemeClr val="tx1">
+                      <a:lumMod val="65000"/>
+                      <a:lumOff val="35000"/>
+                    </a:schemeClr>
+                  </a:solidFill>
+                  <a:latin typeface="+mn-lt"/>
+                  <a:ea typeface="+mn-ea"/>
+                  <a:cs typeface="+mn-cs"/>
+                </a:defRPr>
+              </a:pPr>
+              <a:endParaRPr lang="en-US"/>
+            </a:p>
+          </c:txPr>
+        </c:title>
+        <c:numFmt formatCode="0.00" sourceLinked="1"/>
+        <c:majorTickMark val="none"/>
+        <c:minorTickMark val="none"/>
+        <c:tickLblPos val="nextTo"/>
+        <c:spPr>
+          <a:noFill/>
+          <a:ln>
+            <a:noFill/>
+          </a:ln>
+          <a:effectLst/>
+        </c:spPr>
+        <c:txPr>
+          <a:bodyPr rot="-60000000" spcFirstLastPara="1" vertOverflow="ellipsis" vert="horz" wrap="square" anchor="ctr" anchorCtr="1"/>
+          <a:lstStyle/>
+          <a:p>
+            <a:pPr>
+              <a:defRPr sz="900" b="0" i="0" u="none" strike="noStrike" kern="1200" baseline="0">
+                <a:solidFill>
+                  <a:schemeClr val="tx1">
+                    <a:lumMod val="65000"/>
+                    <a:lumOff val="35000"/>
+                  </a:schemeClr>
+                </a:solidFill>
+                <a:latin typeface="+mn-lt"/>
+                <a:ea typeface="+mn-ea"/>
+                <a:cs typeface="+mn-cs"/>
+              </a:defRPr>
+            </a:pPr>
+            <a:endParaRPr lang="en-US"/>
+          </a:p>
+        </c:txPr>
+        <c:crossAx val="215908016"/>
+        <c:crosses val="autoZero"/>
+        <c:crossBetween val="between"/>
+      </c:valAx>
+      <c:valAx>
+        <c:axId val="215913056"/>
+        <c:scaling>
+          <c:orientation val="minMax"/>
+        </c:scaling>
+        <c:delete val="0"/>
+        <c:axPos val="r"/>
+        <c:title>
+          <c:tx>
+            <c:rich>
+              <a:bodyPr rot="-5400000" spcFirstLastPara="1" vertOverflow="ellipsis" vert="horz" wrap="square" anchor="ctr" anchorCtr="1"/>
+              <a:lstStyle/>
+              <a:p>
+                <a:pPr>
+                  <a:defRPr sz="1000" b="0" i="0" u="none" strike="noStrike" kern="1200" baseline="0">
+                    <a:solidFill>
+                      <a:schemeClr val="tx1">
+                        <a:lumMod val="65000"/>
+                        <a:lumOff val="35000"/>
+                      </a:schemeClr>
+                    </a:solidFill>
+                    <a:latin typeface="+mn-lt"/>
+                    <a:ea typeface="+mn-ea"/>
+                    <a:cs typeface="+mn-cs"/>
+                  </a:defRPr>
+                </a:pPr>
+                <a:r>
+                  <a:rPr lang="en-US"/>
+                  <a:t>Average semantic</a:t>
+                </a:r>
+                <a:r>
+                  <a:rPr lang="en-US" baseline="0"/>
+                  <a:t> score</a:t>
+                </a:r>
+                <a:endParaRPr lang="en-US"/>
+              </a:p>
+            </c:rich>
+          </c:tx>
+          <c:layout/>
+          <c:overlay val="0"/>
+          <c:spPr>
+            <a:noFill/>
+            <a:ln>
+              <a:noFill/>
+            </a:ln>
+            <a:effectLst/>
+          </c:spPr>
+          <c:txPr>
+            <a:bodyPr rot="-5400000" spcFirstLastPara="1" vertOverflow="ellipsis" vert="horz" wrap="square" anchor="ctr" anchorCtr="1"/>
+            <a:lstStyle/>
+            <a:p>
+              <a:pPr>
+                <a:defRPr sz="1000" b="0" i="0" u="none" strike="noStrike" kern="1200" baseline="0">
+                  <a:solidFill>
+                    <a:schemeClr val="tx1">
+                      <a:lumMod val="65000"/>
+                      <a:lumOff val="35000"/>
+                    </a:schemeClr>
+                  </a:solidFill>
+                  <a:latin typeface="+mn-lt"/>
+                  <a:ea typeface="+mn-ea"/>
+                  <a:cs typeface="+mn-cs"/>
+                </a:defRPr>
+              </a:pPr>
+              <a:endParaRPr lang="en-US"/>
+            </a:p>
+          </c:txPr>
+        </c:title>
+        <c:numFmt formatCode="0.00" sourceLinked="1"/>
+        <c:majorTickMark val="out"/>
+        <c:minorTickMark val="none"/>
+        <c:tickLblPos val="nextTo"/>
+        <c:spPr>
+          <a:noFill/>
+          <a:ln>
+            <a:noFill/>
+          </a:ln>
+          <a:effectLst/>
+        </c:spPr>
+        <c:txPr>
+          <a:bodyPr rot="-60000000" spcFirstLastPara="1" vertOverflow="ellipsis" vert="horz" wrap="square" anchor="ctr" anchorCtr="1"/>
+          <a:lstStyle/>
+          <a:p>
+            <a:pPr>
+              <a:defRPr sz="900" b="0" i="0" u="none" strike="noStrike" kern="1200" baseline="0">
+                <a:solidFill>
+                  <a:schemeClr val="tx1">
+                    <a:lumMod val="65000"/>
+                    <a:lumOff val="35000"/>
+                  </a:schemeClr>
+                </a:solidFill>
+                <a:latin typeface="+mn-lt"/>
+                <a:ea typeface="+mn-ea"/>
+                <a:cs typeface="+mn-cs"/>
+              </a:defRPr>
+            </a:pPr>
+            <a:endParaRPr lang="en-US"/>
+          </a:p>
+        </c:txPr>
+        <c:crossAx val="215911376"/>
+        <c:crosses val="max"/>
+        <c:crossBetween val="between"/>
+      </c:valAx>
+      <c:catAx>
+        <c:axId val="215911376"/>
+        <c:scaling>
+          <c:orientation val="minMax"/>
+        </c:scaling>
+        <c:delete val="1"/>
+        <c:axPos val="b"/>
+        <c:majorTickMark val="out"/>
+        <c:minorTickMark val="none"/>
+        <c:tickLblPos val="nextTo"/>
+        <c:crossAx val="215913056"/>
+        <c:crosses val="autoZero"/>
+        <c:auto val="1"/>
+        <c:lblAlgn val="ctr"/>
+        <c:lblOffset val="100"/>
+        <c:noMultiLvlLbl val="0"/>
+      </c:catAx>
+      <c:spPr>
+        <a:noFill/>
+        <a:ln>
+          <a:noFill/>
+        </a:ln>
+        <a:effectLst/>
+      </c:spPr>
+    </c:plotArea>
+    <c:legend>
+      <c:legendPos val="b"/>
+      <c:legendEntry>
+        <c:idx val="1"/>
+        <c:delete val="1"/>
+      </c:legendEntry>
+      <c:legendEntry>
+        <c:idx val="2"/>
+        <c:delete val="1"/>
+      </c:legendEntry>
+      <c:layout/>
+      <c:overlay val="0"/>
+      <c:spPr>
+        <a:noFill/>
+        <a:ln>
+          <a:noFill/>
+        </a:ln>
+        <a:effectLst/>
+      </c:spPr>
+      <c:txPr>
+        <a:bodyPr rot="0" spcFirstLastPara="1" vertOverflow="ellipsis" vert="horz" wrap="square" anchor="ctr" anchorCtr="1"/>
+        <a:lstStyle/>
+        <a:p>
+          <a:pPr>
+            <a:defRPr sz="900" b="0" i="0" u="none" strike="noStrike" kern="1200" baseline="0">
+              <a:solidFill>
+                <a:schemeClr val="tx1">
+                  <a:lumMod val="65000"/>
+                  <a:lumOff val="35000"/>
+                </a:schemeClr>
+              </a:solidFill>
+              <a:latin typeface="+mn-lt"/>
+              <a:ea typeface="+mn-ea"/>
+              <a:cs typeface="+mn-cs"/>
+            </a:defRPr>
+          </a:pPr>
+          <a:endParaRPr lang="en-US"/>
+        </a:p>
+      </c:txPr>
+    </c:legend>
+    <c:plotVisOnly val="1"/>
+    <c:dispBlanksAs val="gap"/>
+    <c:showDLblsOverMax val="0"/>
+  </c:chart>
+  <c:spPr>
+    <a:noFill/>
+    <a:ln>
+      <a:noFill/>
+    </a:ln>
+    <a:effectLst/>
+  </c:spPr>
+  <c:txPr>
+    <a:bodyPr/>
+    <a:lstStyle/>
+    <a:p>
+      <a:pPr>
+        <a:defRPr/>
+      </a:pPr>
+      <a:endParaRPr lang="en-US"/>
+    </a:p>
+  </c:txPr>
+  <c:externalData r:id="rId3">
+    <c:autoUpdate val="0"/>
+  </c:externalData>
+</c:chartSpace>
+</file>
+
+<file path=ppt/charts/colors1.xml><?xml version="1.0" encoding="utf-8"?>
+<cs:colorStyle xmlns:cs="http://schemas.microsoft.com/office/drawing/2012/chartStyle" xmlns:a="http://schemas.openxmlformats.org/drawingml/2006/main" meth="cycle" id="10">
+  <a:schemeClr val="accent1"/>
+  <a:schemeClr val="accent2"/>
+  <a:schemeClr val="accent3"/>
+  <a:schemeClr val="accent4"/>
+  <a:schemeClr val="accent5"/>
+  <a:schemeClr val="accent6"/>
+  <cs:variation/>
+  <cs:variation>
+    <a:lumMod val="60000"/>
+  </cs:variation>
+  <cs:variation>
+    <a:lumMod val="80000"/>
+    <a:lumOff val="20000"/>
+  </cs:variation>
+  <cs:variation>
+    <a:lumMod val="80000"/>
+  </cs:variation>
+  <cs:variation>
+    <a:lumMod val="60000"/>
+    <a:lumOff val="40000"/>
+  </cs:variation>
+  <cs:variation>
+    <a:lumMod val="50000"/>
+  </cs:variation>
+  <cs:variation>
+    <a:lumMod val="70000"/>
+    <a:lumOff val="30000"/>
+  </cs:variation>
+  <cs:variation>
+    <a:lumMod val="70000"/>
+  </cs:variation>
+  <cs:variation>
+    <a:lumMod val="50000"/>
+    <a:lumOff val="50000"/>
+  </cs:variation>
+</cs:colorStyle>
+</file>
+
+<file path=ppt/charts/colors2.xml><?xml version="1.0" encoding="utf-8"?>
+<cs:colorStyle xmlns:cs="http://schemas.microsoft.com/office/drawing/2012/chartStyle" xmlns:a="http://schemas.openxmlformats.org/drawingml/2006/main" meth="cycle" id="10">
+  <a:schemeClr val="accent1"/>
+  <a:schemeClr val="accent2"/>
+  <a:schemeClr val="accent3"/>
+  <a:schemeClr val="accent4"/>
+  <a:schemeClr val="accent5"/>
+  <a:schemeClr val="accent6"/>
+  <cs:variation/>
+  <cs:variation>
+    <a:lumMod val="60000"/>
+  </cs:variation>
+  <cs:variation>
+    <a:lumMod val="80000"/>
+    <a:lumOff val="20000"/>
+  </cs:variation>
+  <cs:variation>
+    <a:lumMod val="80000"/>
+  </cs:variation>
+  <cs:variation>
+    <a:lumMod val="60000"/>
+    <a:lumOff val="40000"/>
+  </cs:variation>
+  <cs:variation>
+    <a:lumMod val="50000"/>
+  </cs:variation>
+  <cs:variation>
+    <a:lumMod val="70000"/>
+    <a:lumOff val="30000"/>
+  </cs:variation>
+  <cs:variation>
+    <a:lumMod val="70000"/>
+  </cs:variation>
+  <cs:variation>
+    <a:lumMod val="50000"/>
+    <a:lumOff val="50000"/>
+  </cs:variation>
+</cs:colorStyle>
+</file>
+
+<file path=ppt/charts/style1.xml><?xml version="1.0" encoding="utf-8"?>
+<cs:chartStyle xmlns:cs="http://schemas.microsoft.com/office/drawing/2012/chartStyle" xmlns:a="http://schemas.openxmlformats.org/drawingml/2006/main" id="201">
+  <cs:axisTitle>
+    <cs:lnRef idx="0"/>
+    <cs:fillRef idx="0"/>
+    <cs:effectRef idx="0"/>
+    <cs:fontRef idx="minor">
+      <a:schemeClr val="tx1">
+        <a:lumMod val="65000"/>
+        <a:lumOff val="35000"/>
+      </a:schemeClr>
+    </cs:fontRef>
+    <cs:defRPr sz="1000" kern="1200"/>
+  </cs:axisTitle>
+  <cs:categoryAxis>
+    <cs:lnRef idx="0"/>
+    <cs:fillRef idx="0"/>
+    <cs:effectRef idx="0"/>
+    <cs:fontRef idx="minor">
+      <a:schemeClr val="tx1">
+        <a:lumMod val="65000"/>
+        <a:lumOff val="35000"/>
+      </a:schemeClr>
+    </cs:fontRef>
+    <cs:spPr>
+      <a:ln w="9525" cap="flat" cmpd="sng" algn="ctr">
+        <a:solidFill>
+          <a:schemeClr val="tx1">
+            <a:lumMod val="15000"/>
+            <a:lumOff val="85000"/>
+          </a:schemeClr>
+        </a:solidFill>
+        <a:round/>
+      </a:ln>
+    </cs:spPr>
+    <cs:defRPr sz="900" kern="1200"/>
+  </cs:categoryAxis>
+  <cs:chartArea mods="allowNoFillOverride allowNoLineOverride">
+    <cs:lnRef idx="0"/>
+    <cs:fillRef idx="0"/>
+    <cs:effectRef idx="0"/>
+    <cs:fontRef idx="minor">
+      <a:schemeClr val="tx1"/>
+    </cs:fontRef>
+    <cs:spPr>
+      <a:solidFill>
+        <a:schemeClr val="bg1"/>
+      </a:solidFill>
+      <a:ln w="9525" cap="flat" cmpd="sng" algn="ctr">
+        <a:solidFill>
+          <a:schemeClr val="tx1">
+            <a:lumMod val="15000"/>
+            <a:lumOff val="85000"/>
+          </a:schemeClr>
+        </a:solidFill>
+        <a:round/>
+      </a:ln>
+    </cs:spPr>
+    <cs:defRPr sz="1000" kern="1200"/>
+  </cs:chartArea>
+  <cs:dataLabel>
+    <cs:lnRef idx="0"/>
+    <cs:fillRef idx="0"/>
+    <cs:effectRef idx="0"/>
+    <cs:fontRef idx="minor">
+      <a:schemeClr val="tx1">
+        <a:lumMod val="75000"/>
+        <a:lumOff val="25000"/>
+      </a:schemeClr>
+    </cs:fontRef>
+    <cs:defRPr sz="900" kern="1200"/>
+  </cs:dataLabel>
+  <cs:dataLabelCallout>
+    <cs:lnRef idx="0"/>
+    <cs:fillRef idx="0"/>
+    <cs:effectRef idx="0"/>
+    <cs:fontRef idx="minor">
+      <a:schemeClr val="dk1">
+        <a:lumMod val="65000"/>
+        <a:lumOff val="35000"/>
+      </a:schemeClr>
+    </cs:fontRef>
+    <cs:spPr>
+      <a:solidFill>
+        <a:schemeClr val="lt1"/>
+      </a:solidFill>
+      <a:ln>
+        <a:solidFill>
+          <a:schemeClr val="dk1">
+            <a:lumMod val="25000"/>
+            <a:lumOff val="75000"/>
+          </a:schemeClr>
+        </a:solidFill>
+      </a:ln>
+    </cs:spPr>
+    <cs:defRPr sz="900" kern="1200"/>
+    <cs:bodyPr rot="0" spcFirstLastPara="1" vertOverflow="clip" horzOverflow="clip" vert="horz" wrap="square" lIns="36576" tIns="18288" rIns="36576" bIns="18288" anchor="ctr" anchorCtr="1">
+      <a:spAutoFit/>
+    </cs:bodyPr>
+  </cs:dataLabelCallout>
+  <cs:dataPoint>
+    <cs:lnRef idx="0"/>
+    <cs:fillRef idx="1">
+      <cs:styleClr val="auto"/>
+    </cs:fillRef>
+    <cs:effectRef idx="0"/>
+    <cs:fontRef idx="minor">
+      <a:schemeClr val="tx1"/>
+    </cs:fontRef>
+  </cs:dataPoint>
+  <cs:dataPoint3D>
+    <cs:lnRef idx="0"/>
+    <cs:fillRef idx="1">
+      <cs:styleClr val="auto"/>
+    </cs:fillRef>
+    <cs:effectRef idx="0"/>
+    <cs:fontRef idx="minor">
+      <a:schemeClr val="tx1"/>
+    </cs:fontRef>
+  </cs:dataPoint3D>
+  <cs:dataPointLine>
+    <cs:lnRef idx="0">
+      <cs:styleClr val="auto"/>
+    </cs:lnRef>
+    <cs:fillRef idx="1"/>
+    <cs:effectRef idx="0"/>
+    <cs:fontRef idx="minor">
+      <a:schemeClr val="tx1"/>
+    </cs:fontRef>
+    <cs:spPr>
+      <a:ln w="28575" cap="rnd">
+        <a:solidFill>
+          <a:schemeClr val="phClr"/>
+        </a:solidFill>
+        <a:round/>
+      </a:ln>
+    </cs:spPr>
+  </cs:dataPointLine>
+  <cs:dataPointMarker>
+    <cs:lnRef idx="0">
+      <cs:styleClr val="auto"/>
+    </cs:lnRef>
+    <cs:fillRef idx="1">
+      <cs:styleClr val="auto"/>
+    </cs:fillRef>
+    <cs:effectRef idx="0"/>
+    <cs:fontRef idx="minor">
+      <a:schemeClr val="tx1"/>
+    </cs:fontRef>
+    <cs:spPr>
+      <a:ln w="9525">
+        <a:solidFill>
+          <a:schemeClr val="phClr"/>
+        </a:solidFill>
+      </a:ln>
+    </cs:spPr>
+  </cs:dataPointMarker>
+  <cs:dataPointMarkerLayout symbol="circle" size="5"/>
+  <cs:dataPointWireframe>
+    <cs:lnRef idx="0">
+      <cs:styleClr val="auto"/>
+    </cs:lnRef>
+    <cs:fillRef idx="1"/>
+    <cs:effectRef idx="0"/>
+    <cs:fontRef idx="minor">
+      <a:schemeClr val="tx1"/>
+    </cs:fontRef>
+    <cs:spPr>
+      <a:ln w="9525" cap="rnd">
+        <a:solidFill>
+          <a:schemeClr val="phClr"/>
+        </a:solidFill>
+        <a:round/>
+      </a:ln>
+    </cs:spPr>
+  </cs:dataPointWireframe>
+  <cs:dataTable>
+    <cs:lnRef idx="0"/>
+    <cs:fillRef idx="0"/>
+    <cs:effectRef idx="0"/>
+    <cs:fontRef idx="minor">
+      <a:schemeClr val="tx1">
+        <a:lumMod val="65000"/>
+        <a:lumOff val="35000"/>
+      </a:schemeClr>
+    </cs:fontRef>
+    <cs:spPr>
+      <a:noFill/>
+      <a:ln w="9525" cap="flat" cmpd="sng" algn="ctr">
+        <a:solidFill>
+          <a:schemeClr val="tx1">
+            <a:lumMod val="15000"/>
+            <a:lumOff val="85000"/>
+          </a:schemeClr>
+        </a:solidFill>
+        <a:round/>
+      </a:ln>
+    </cs:spPr>
+    <cs:defRPr sz="900" kern="1200"/>
+  </cs:dataTable>
+  <cs:downBar>
+    <cs:lnRef idx="0"/>
+    <cs:fillRef idx="0"/>
+    <cs:effectRef idx="0"/>
+    <cs:fontRef idx="minor">
+      <a:schemeClr val="dk1"/>
+    </cs:fontRef>
+    <cs:spPr>
+      <a:solidFill>
+        <a:schemeClr val="dk1">
+          <a:lumMod val="65000"/>
+          <a:lumOff val="35000"/>
+        </a:schemeClr>
+      </a:solidFill>
+      <a:ln w="9525">
+        <a:solidFill>
+          <a:schemeClr val="tx1">
+            <a:lumMod val="65000"/>
+            <a:lumOff val="35000"/>
+          </a:schemeClr>
+        </a:solidFill>
+      </a:ln>
+    </cs:spPr>
+  </cs:downBar>
+  <cs:dropLine>
+    <cs:lnRef idx="0"/>
+    <cs:fillRef idx="0"/>
+    <cs:effectRef idx="0"/>
+    <cs:fontRef idx="minor">
+      <a:schemeClr val="tx1"/>
+    </cs:fontRef>
+    <cs:spPr>
+      <a:ln w="9525" cap="flat" cmpd="sng" algn="ctr">
+        <a:solidFill>
+          <a:schemeClr val="tx1">
+            <a:lumMod val="35000"/>
+            <a:lumOff val="65000"/>
+          </a:schemeClr>
+        </a:solidFill>
+        <a:round/>
+      </a:ln>
+    </cs:spPr>
+  </cs:dropLine>
+  <cs:errorBar>
+    <cs:lnRef idx="0"/>
+    <cs:fillRef idx="0"/>
+    <cs:effectRef idx="0"/>
+    <cs:fontRef idx="minor">
+      <a:schemeClr val="tx1"/>
+    </cs:fontRef>
+    <cs:spPr>
+      <a:ln w="9525" cap="flat" cmpd="sng" algn="ctr">
+        <a:solidFill>
+          <a:schemeClr val="tx1">
+            <a:lumMod val="65000"/>
+            <a:lumOff val="35000"/>
+          </a:schemeClr>
+        </a:solidFill>
+        <a:round/>
+      </a:ln>
+    </cs:spPr>
+  </cs:errorBar>
+  <cs:floor>
+    <cs:lnRef idx="0"/>
+    <cs:fillRef idx="0"/>
+    <cs:effectRef idx="0"/>
+    <cs:fontRef idx="minor">
+      <a:schemeClr val="tx1"/>
+    </cs:fontRef>
+    <cs:spPr>
+      <a:noFill/>
+      <a:ln>
+        <a:noFill/>
+      </a:ln>
+    </cs:spPr>
+  </cs:floor>
+  <cs:gridlineMajor>
+    <cs:lnRef idx="0"/>
+    <cs:fillRef idx="0"/>
+    <cs:effectRef idx="0"/>
+    <cs:fontRef idx="minor">
+      <a:schemeClr val="tx1"/>
+    </cs:fontRef>
+    <cs:spPr>
+      <a:ln w="9525" cap="flat" cmpd="sng" algn="ctr">
+        <a:solidFill>
+          <a:schemeClr val="tx1">
+            <a:lumMod val="15000"/>
+            <a:lumOff val="85000"/>
+          </a:schemeClr>
+        </a:solidFill>
+        <a:round/>
+      </a:ln>
+    </cs:spPr>
+  </cs:gridlineMajor>
+  <cs:gridlineMinor>
+    <cs:lnRef idx="0"/>
+    <cs:fillRef idx="0"/>
+    <cs:effectRef idx="0"/>
+    <cs:fontRef idx="minor">
+      <a:schemeClr val="tx1"/>
+    </cs:fontRef>
+    <cs:spPr>
+      <a:ln w="9525" cap="flat" cmpd="sng" algn="ctr">
+        <a:solidFill>
+          <a:schemeClr val="tx1">
+            <a:lumMod val="5000"/>
+            <a:lumOff val="95000"/>
+          </a:schemeClr>
+        </a:solidFill>
+        <a:round/>
+      </a:ln>
+    </cs:spPr>
+  </cs:gridlineMinor>
+  <cs:hiLoLine>
+    <cs:lnRef idx="0"/>
+    <cs:fillRef idx="0"/>
+    <cs:effectRef idx="0"/>
+    <cs:fontRef idx="minor">
+      <a:schemeClr val="tx1"/>
+    </cs:fontRef>
+    <cs:spPr>
+      <a:ln w="9525" cap="flat" cmpd="sng" algn="ctr">
+        <a:solidFill>
+          <a:schemeClr val="tx1">
+            <a:lumMod val="75000"/>
+            <a:lumOff val="25000"/>
+          </a:schemeClr>
+        </a:solidFill>
+        <a:round/>
+      </a:ln>
+    </cs:spPr>
+  </cs:hiLoLine>
+  <cs:leaderLine>
+    <cs:lnRef idx="0"/>
+    <cs:fillRef idx="0"/>
+    <cs:effectRef idx="0"/>
+    <cs:fontRef idx="minor">
+      <a:schemeClr val="tx1"/>
+    </cs:fontRef>
+    <cs:spPr>
+      <a:ln w="9525" cap="flat" cmpd="sng" algn="ctr">
+        <a:solidFill>
+          <a:schemeClr val="tx1">
+            <a:lumMod val="35000"/>
+            <a:lumOff val="65000"/>
+          </a:schemeClr>
+        </a:solidFill>
+        <a:round/>
+      </a:ln>
+    </cs:spPr>
+  </cs:leaderLine>
+  <cs:legend>
+    <cs:lnRef idx="0"/>
+    <cs:fillRef idx="0"/>
+    <cs:effectRef idx="0"/>
+    <cs:fontRef idx="minor">
+      <a:schemeClr val="tx1">
+        <a:lumMod val="65000"/>
+        <a:lumOff val="35000"/>
+      </a:schemeClr>
+    </cs:fontRef>
+    <cs:defRPr sz="900" kern="1200"/>
+  </cs:legend>
+  <cs:plotArea mods="allowNoFillOverride allowNoLineOverride">
+    <cs:lnRef idx="0"/>
+    <cs:fillRef idx="0"/>
+    <cs:effectRef idx="0"/>
+    <cs:fontRef idx="minor">
+      <a:schemeClr val="tx1"/>
+    </cs:fontRef>
+  </cs:plotArea>
+  <cs:plotArea3D mods="allowNoFillOverride allowNoLineOverride">
+    <cs:lnRef idx="0"/>
+    <cs:fillRef idx="0"/>
+    <cs:effectRef idx="0"/>
+    <cs:fontRef idx="minor">
+      <a:schemeClr val="tx1"/>
+    </cs:fontRef>
+  </cs:plotArea3D>
+  <cs:seriesAxis>
+    <cs:lnRef idx="0"/>
+    <cs:fillRef idx="0"/>
+    <cs:effectRef idx="0"/>
+    <cs:fontRef idx="minor">
+      <a:schemeClr val="tx1">
+        <a:lumMod val="65000"/>
+        <a:lumOff val="35000"/>
+      </a:schemeClr>
+    </cs:fontRef>
+    <cs:defRPr sz="900" kern="1200"/>
+  </cs:seriesAxis>
+  <cs:seriesLine>
+    <cs:lnRef idx="0"/>
+    <cs:fillRef idx="0"/>
+    <cs:effectRef idx="0"/>
+    <cs:fontRef idx="minor">
+      <a:schemeClr val="tx1"/>
+    </cs:fontRef>
+    <cs:spPr>
+      <a:ln w="9525" cap="flat" cmpd="sng" algn="ctr">
+        <a:solidFill>
+          <a:schemeClr val="tx1">
+            <a:lumMod val="35000"/>
+            <a:lumOff val="65000"/>
+          </a:schemeClr>
+        </a:solidFill>
+        <a:round/>
+      </a:ln>
+    </cs:spPr>
+  </cs:seriesLine>
+  <cs:title>
+    <cs:lnRef idx="0"/>
+    <cs:fillRef idx="0"/>
+    <cs:effectRef idx="0"/>
+    <cs:fontRef idx="minor">
+      <a:schemeClr val="tx1">
+        <a:lumMod val="65000"/>
+        <a:lumOff val="35000"/>
+      </a:schemeClr>
+    </cs:fontRef>
+    <cs:defRPr sz="1400" b="0" kern="1200" spc="0" baseline="0"/>
+  </cs:title>
+  <cs:trendline>
+    <cs:lnRef idx="0">
+      <cs:styleClr val="auto"/>
+    </cs:lnRef>
+    <cs:fillRef idx="0"/>
+    <cs:effectRef idx="0"/>
+    <cs:fontRef idx="minor">
+      <a:schemeClr val="tx1"/>
+    </cs:fontRef>
+    <cs:spPr>
+      <a:ln w="19050" cap="rnd">
+        <a:solidFill>
+          <a:schemeClr val="phClr"/>
+        </a:solidFill>
+        <a:prstDash val="sysDot"/>
+      </a:ln>
+    </cs:spPr>
+  </cs:trendline>
+  <cs:trendlineLabel>
+    <cs:lnRef idx="0"/>
+    <cs:fillRef idx="0"/>
+    <cs:effectRef idx="0"/>
+    <cs:fontRef idx="minor">
+      <a:schemeClr val="tx1">
+        <a:lumMod val="65000"/>
+        <a:lumOff val="35000"/>
+      </a:schemeClr>
+    </cs:fontRef>
+    <cs:defRPr sz="900" kern="1200"/>
+  </cs:trendlineLabel>
+  <cs:upBar>
+    <cs:lnRef idx="0"/>
+    <cs:fillRef idx="0"/>
+    <cs:effectRef idx="0"/>
+    <cs:fontRef idx="minor">
+      <a:schemeClr val="dk1"/>
+    </cs:fontRef>
+    <cs:spPr>
+      <a:solidFill>
+        <a:schemeClr val="lt1"/>
+      </a:solidFill>
+      <a:ln w="9525">
+        <a:solidFill>
+          <a:schemeClr val="tx1">
+            <a:lumMod val="15000"/>
+            <a:lumOff val="85000"/>
+          </a:schemeClr>
+        </a:solidFill>
+      </a:ln>
+    </cs:spPr>
+  </cs:upBar>
+  <cs:valueAxis>
+    <cs:lnRef idx="0"/>
+    <cs:fillRef idx="0"/>
+    <cs:effectRef idx="0"/>
+    <cs:fontRef idx="minor">
+      <a:schemeClr val="tx1">
+        <a:lumMod val="65000"/>
+        <a:lumOff val="35000"/>
+      </a:schemeClr>
+    </cs:fontRef>
+    <cs:defRPr sz="900" kern="1200"/>
+  </cs:valueAxis>
+  <cs:wall>
+    <cs:lnRef idx="0"/>
+    <cs:fillRef idx="0"/>
+    <cs:effectRef idx="0"/>
+    <cs:fontRef idx="minor">
+      <a:schemeClr val="tx1"/>
+    </cs:fontRef>
+    <cs:spPr>
+      <a:noFill/>
+      <a:ln>
+        <a:noFill/>
+      </a:ln>
+    </cs:spPr>
+  </cs:wall>
+</cs:chartStyle>
+</file>
+
+<file path=ppt/charts/style2.xml><?xml version="1.0" encoding="utf-8"?>
+<cs:chartStyle xmlns:cs="http://schemas.microsoft.com/office/drawing/2012/chartStyle" xmlns:a="http://schemas.openxmlformats.org/drawingml/2006/main" id="201">
+  <cs:axisTitle>
+    <cs:lnRef idx="0"/>
+    <cs:fillRef idx="0"/>
+    <cs:effectRef idx="0"/>
+    <cs:fontRef idx="minor">
+      <a:schemeClr val="tx1">
+        <a:lumMod val="65000"/>
+        <a:lumOff val="35000"/>
+      </a:schemeClr>
+    </cs:fontRef>
+    <cs:defRPr sz="1000" kern="1200"/>
+  </cs:axisTitle>
+  <cs:categoryAxis>
+    <cs:lnRef idx="0"/>
+    <cs:fillRef idx="0"/>
+    <cs:effectRef idx="0"/>
+    <cs:fontRef idx="minor">
+      <a:schemeClr val="tx1">
+        <a:lumMod val="65000"/>
+        <a:lumOff val="35000"/>
+      </a:schemeClr>
+    </cs:fontRef>
+    <cs:spPr>
+      <a:ln w="9525" cap="flat" cmpd="sng" algn="ctr">
+        <a:solidFill>
+          <a:schemeClr val="tx1">
+            <a:lumMod val="15000"/>
+            <a:lumOff val="85000"/>
+          </a:schemeClr>
+        </a:solidFill>
+        <a:round/>
+      </a:ln>
+    </cs:spPr>
+    <cs:defRPr sz="900" kern="1200"/>
+  </cs:categoryAxis>
+  <cs:chartArea mods="allowNoFillOverride allowNoLineOverride">
+    <cs:lnRef idx="0"/>
+    <cs:fillRef idx="0"/>
+    <cs:effectRef idx="0"/>
+    <cs:fontRef idx="minor">
+      <a:schemeClr val="tx1"/>
+    </cs:fontRef>
+    <cs:spPr>
+      <a:solidFill>
+        <a:schemeClr val="bg1"/>
+      </a:solidFill>
+      <a:ln w="9525" cap="flat" cmpd="sng" algn="ctr">
+        <a:solidFill>
+          <a:schemeClr val="tx1">
+            <a:lumMod val="15000"/>
+            <a:lumOff val="85000"/>
+          </a:schemeClr>
+        </a:solidFill>
+        <a:round/>
+      </a:ln>
+    </cs:spPr>
+    <cs:defRPr sz="1000" kern="1200"/>
+  </cs:chartArea>
+  <cs:dataLabel>
+    <cs:lnRef idx="0"/>
+    <cs:fillRef idx="0"/>
+    <cs:effectRef idx="0"/>
+    <cs:fontRef idx="minor">
+      <a:schemeClr val="tx1">
+        <a:lumMod val="75000"/>
+        <a:lumOff val="25000"/>
+      </a:schemeClr>
+    </cs:fontRef>
+    <cs:defRPr sz="900" kern="1200"/>
+  </cs:dataLabel>
+  <cs:dataLabelCallout>
+    <cs:lnRef idx="0"/>
+    <cs:fillRef idx="0"/>
+    <cs:effectRef idx="0"/>
+    <cs:fontRef idx="minor">
+      <a:schemeClr val="dk1">
+        <a:lumMod val="65000"/>
+        <a:lumOff val="35000"/>
+      </a:schemeClr>
+    </cs:fontRef>
+    <cs:spPr>
+      <a:solidFill>
+        <a:schemeClr val="lt1"/>
+      </a:solidFill>
+      <a:ln>
+        <a:solidFill>
+          <a:schemeClr val="dk1">
+            <a:lumMod val="25000"/>
+            <a:lumOff val="75000"/>
+          </a:schemeClr>
+        </a:solidFill>
+      </a:ln>
+    </cs:spPr>
+    <cs:defRPr sz="900" kern="1200"/>
+    <cs:bodyPr rot="0" spcFirstLastPara="1" vertOverflow="clip" horzOverflow="clip" vert="horz" wrap="square" lIns="36576" tIns="18288" rIns="36576" bIns="18288" anchor="ctr" anchorCtr="1">
+      <a:spAutoFit/>
+    </cs:bodyPr>
+  </cs:dataLabelCallout>
+  <cs:dataPoint>
+    <cs:lnRef idx="0"/>
+    <cs:fillRef idx="1">
+      <cs:styleClr val="auto"/>
+    </cs:fillRef>
+    <cs:effectRef idx="0"/>
+    <cs:fontRef idx="minor">
+      <a:schemeClr val="tx1"/>
+    </cs:fontRef>
+  </cs:dataPoint>
+  <cs:dataPoint3D>
+    <cs:lnRef idx="0"/>
+    <cs:fillRef idx="1">
+      <cs:styleClr val="auto"/>
+    </cs:fillRef>
+    <cs:effectRef idx="0"/>
+    <cs:fontRef idx="minor">
+      <a:schemeClr val="tx1"/>
+    </cs:fontRef>
+  </cs:dataPoint3D>
+  <cs:dataPointLine>
+    <cs:lnRef idx="0">
+      <cs:styleClr val="auto"/>
+    </cs:lnRef>
+    <cs:fillRef idx="1"/>
+    <cs:effectRef idx="0"/>
+    <cs:fontRef idx="minor">
+      <a:schemeClr val="tx1"/>
+    </cs:fontRef>
+    <cs:spPr>
+      <a:ln w="28575" cap="rnd">
+        <a:solidFill>
+          <a:schemeClr val="phClr"/>
+        </a:solidFill>
+        <a:round/>
+      </a:ln>
+    </cs:spPr>
+  </cs:dataPointLine>
+  <cs:dataPointMarker>
+    <cs:lnRef idx="0">
+      <cs:styleClr val="auto"/>
+    </cs:lnRef>
+    <cs:fillRef idx="1">
+      <cs:styleClr val="auto"/>
+    </cs:fillRef>
+    <cs:effectRef idx="0"/>
+    <cs:fontRef idx="minor">
+      <a:schemeClr val="tx1"/>
+    </cs:fontRef>
+    <cs:spPr>
+      <a:ln w="9525">
+        <a:solidFill>
+          <a:schemeClr val="phClr"/>
+        </a:solidFill>
+      </a:ln>
+    </cs:spPr>
+  </cs:dataPointMarker>
+  <cs:dataPointMarkerLayout symbol="circle" size="5"/>
+  <cs:dataPointWireframe>
+    <cs:lnRef idx="0">
+      <cs:styleClr val="auto"/>
+    </cs:lnRef>
+    <cs:fillRef idx="1"/>
+    <cs:effectRef idx="0"/>
+    <cs:fontRef idx="minor">
+      <a:schemeClr val="tx1"/>
+    </cs:fontRef>
+    <cs:spPr>
+      <a:ln w="9525" cap="rnd">
+        <a:solidFill>
+          <a:schemeClr val="phClr"/>
+        </a:solidFill>
+        <a:round/>
+      </a:ln>
+    </cs:spPr>
+  </cs:dataPointWireframe>
+  <cs:dataTable>
+    <cs:lnRef idx="0"/>
+    <cs:fillRef idx="0"/>
+    <cs:effectRef idx="0"/>
+    <cs:fontRef idx="minor">
+      <a:schemeClr val="tx1">
+        <a:lumMod val="65000"/>
+        <a:lumOff val="35000"/>
+      </a:schemeClr>
+    </cs:fontRef>
+    <cs:spPr>
+      <a:noFill/>
+      <a:ln w="9525" cap="flat" cmpd="sng" algn="ctr">
+        <a:solidFill>
+          <a:schemeClr val="tx1">
+            <a:lumMod val="15000"/>
+            <a:lumOff val="85000"/>
+          </a:schemeClr>
+        </a:solidFill>
+        <a:round/>
+      </a:ln>
+    </cs:spPr>
+    <cs:defRPr sz="900" kern="1200"/>
+  </cs:dataTable>
+  <cs:downBar>
+    <cs:lnRef idx="0"/>
+    <cs:fillRef idx="0"/>
+    <cs:effectRef idx="0"/>
+    <cs:fontRef idx="minor">
+      <a:schemeClr val="dk1"/>
+    </cs:fontRef>
+    <cs:spPr>
+      <a:solidFill>
+        <a:schemeClr val="dk1">
+          <a:lumMod val="65000"/>
+          <a:lumOff val="35000"/>
+        </a:schemeClr>
+      </a:solidFill>
+      <a:ln w="9525">
+        <a:solidFill>
+          <a:schemeClr val="tx1">
+            <a:lumMod val="65000"/>
+            <a:lumOff val="35000"/>
+          </a:schemeClr>
+        </a:solidFill>
+      </a:ln>
+    </cs:spPr>
+  </cs:downBar>
+  <cs:dropLine>
+    <cs:lnRef idx="0"/>
+    <cs:fillRef idx="0"/>
+    <cs:effectRef idx="0"/>
+    <cs:fontRef idx="minor">
+      <a:schemeClr val="tx1"/>
+    </cs:fontRef>
+    <cs:spPr>
+      <a:ln w="9525" cap="flat" cmpd="sng" algn="ctr">
+        <a:solidFill>
+          <a:schemeClr val="tx1">
+            <a:lumMod val="35000"/>
+            <a:lumOff val="65000"/>
+          </a:schemeClr>
+        </a:solidFill>
+        <a:round/>
+      </a:ln>
+    </cs:spPr>
+  </cs:dropLine>
+  <cs:errorBar>
+    <cs:lnRef idx="0"/>
+    <cs:fillRef idx="0"/>
+    <cs:effectRef idx="0"/>
+    <cs:fontRef idx="minor">
+      <a:schemeClr val="tx1"/>
+    </cs:fontRef>
+    <cs:spPr>
+      <a:ln w="9525" cap="flat" cmpd="sng" algn="ctr">
+        <a:solidFill>
+          <a:schemeClr val="tx1">
+            <a:lumMod val="65000"/>
+            <a:lumOff val="35000"/>
+          </a:schemeClr>
+        </a:solidFill>
+        <a:round/>
+      </a:ln>
+    </cs:spPr>
+  </cs:errorBar>
+  <cs:floor>
+    <cs:lnRef idx="0"/>
+    <cs:fillRef idx="0"/>
+    <cs:effectRef idx="0"/>
+    <cs:fontRef idx="minor">
+      <a:schemeClr val="tx1"/>
+    </cs:fontRef>
+    <cs:spPr>
+      <a:noFill/>
+      <a:ln>
+        <a:noFill/>
+      </a:ln>
+    </cs:spPr>
+  </cs:floor>
+  <cs:gridlineMajor>
+    <cs:lnRef idx="0"/>
+    <cs:fillRef idx="0"/>
+    <cs:effectRef idx="0"/>
+    <cs:fontRef idx="minor">
+      <a:schemeClr val="tx1"/>
+    </cs:fontRef>
+    <cs:spPr>
+      <a:ln w="9525" cap="flat" cmpd="sng" algn="ctr">
+        <a:solidFill>
+          <a:schemeClr val="tx1">
+            <a:lumMod val="15000"/>
+            <a:lumOff val="85000"/>
+          </a:schemeClr>
+        </a:solidFill>
+        <a:round/>
+      </a:ln>
+    </cs:spPr>
+  </cs:gridlineMajor>
+  <cs:gridlineMinor>
+    <cs:lnRef idx="0"/>
+    <cs:fillRef idx="0"/>
+    <cs:effectRef idx="0"/>
+    <cs:fontRef idx="minor">
+      <a:schemeClr val="tx1"/>
+    </cs:fontRef>
+    <cs:spPr>
+      <a:ln w="9525" cap="flat" cmpd="sng" algn="ctr">
+        <a:solidFill>
+          <a:schemeClr val="tx1">
+            <a:lumMod val="5000"/>
+            <a:lumOff val="95000"/>
+          </a:schemeClr>
+        </a:solidFill>
+        <a:round/>
+      </a:ln>
+    </cs:spPr>
+  </cs:gridlineMinor>
+  <cs:hiLoLine>
+    <cs:lnRef idx="0"/>
+    <cs:fillRef idx="0"/>
+    <cs:effectRef idx="0"/>
+    <cs:fontRef idx="minor">
+      <a:schemeClr val="tx1"/>
+    </cs:fontRef>
+    <cs:spPr>
+      <a:ln w="9525" cap="flat" cmpd="sng" algn="ctr">
+        <a:solidFill>
+          <a:schemeClr val="tx1">
+            <a:lumMod val="75000"/>
+            <a:lumOff val="25000"/>
+          </a:schemeClr>
+        </a:solidFill>
+        <a:round/>
+      </a:ln>
+    </cs:spPr>
+  </cs:hiLoLine>
+  <cs:leaderLine>
+    <cs:lnRef idx="0"/>
+    <cs:fillRef idx="0"/>
+    <cs:effectRef idx="0"/>
+    <cs:fontRef idx="minor">
+      <a:schemeClr val="tx1"/>
+    </cs:fontRef>
+    <cs:spPr>
+      <a:ln w="9525" cap="flat" cmpd="sng" algn="ctr">
+        <a:solidFill>
+          <a:schemeClr val="tx1">
+            <a:lumMod val="35000"/>
+            <a:lumOff val="65000"/>
+          </a:schemeClr>
+        </a:solidFill>
+        <a:round/>
+      </a:ln>
+    </cs:spPr>
+  </cs:leaderLine>
+  <cs:legend>
+    <cs:lnRef idx="0"/>
+    <cs:fillRef idx="0"/>
+    <cs:effectRef idx="0"/>
+    <cs:fontRef idx="minor">
+      <a:schemeClr val="tx1">
+        <a:lumMod val="65000"/>
+        <a:lumOff val="35000"/>
+      </a:schemeClr>
+    </cs:fontRef>
+    <cs:defRPr sz="900" kern="1200"/>
+  </cs:legend>
+  <cs:plotArea mods="allowNoFillOverride allowNoLineOverride">
+    <cs:lnRef idx="0"/>
+    <cs:fillRef idx="0"/>
+    <cs:effectRef idx="0"/>
+    <cs:fontRef idx="minor">
+      <a:schemeClr val="tx1"/>
+    </cs:fontRef>
+  </cs:plotArea>
+  <cs:plotArea3D mods="allowNoFillOverride allowNoLineOverride">
+    <cs:lnRef idx="0"/>
+    <cs:fillRef idx="0"/>
+    <cs:effectRef idx="0"/>
+    <cs:fontRef idx="minor">
+      <a:schemeClr val="tx1"/>
+    </cs:fontRef>
+  </cs:plotArea3D>
+  <cs:seriesAxis>
+    <cs:lnRef idx="0"/>
+    <cs:fillRef idx="0"/>
+    <cs:effectRef idx="0"/>
+    <cs:fontRef idx="minor">
+      <a:schemeClr val="tx1">
+        <a:lumMod val="65000"/>
+        <a:lumOff val="35000"/>
+      </a:schemeClr>
+    </cs:fontRef>
+    <cs:defRPr sz="900" kern="1200"/>
+  </cs:seriesAxis>
+  <cs:seriesLine>
+    <cs:lnRef idx="0"/>
+    <cs:fillRef idx="0"/>
+    <cs:effectRef idx="0"/>
+    <cs:fontRef idx="minor">
+      <a:schemeClr val="tx1"/>
+    </cs:fontRef>
+    <cs:spPr>
+      <a:ln w="9525" cap="flat" cmpd="sng" algn="ctr">
+        <a:solidFill>
+          <a:schemeClr val="tx1">
+            <a:lumMod val="35000"/>
+            <a:lumOff val="65000"/>
+          </a:schemeClr>
+        </a:solidFill>
+        <a:round/>
+      </a:ln>
+    </cs:spPr>
+  </cs:seriesLine>
+  <cs:title>
+    <cs:lnRef idx="0"/>
+    <cs:fillRef idx="0"/>
+    <cs:effectRef idx="0"/>
+    <cs:fontRef idx="minor">
+      <a:schemeClr val="tx1">
+        <a:lumMod val="65000"/>
+        <a:lumOff val="35000"/>
+      </a:schemeClr>
+    </cs:fontRef>
+    <cs:defRPr sz="1400" b="0" kern="1200" spc="0" baseline="0"/>
+  </cs:title>
+  <cs:trendline>
+    <cs:lnRef idx="0">
+      <cs:styleClr val="auto"/>
+    </cs:lnRef>
+    <cs:fillRef idx="0"/>
+    <cs:effectRef idx="0"/>
+    <cs:fontRef idx="minor">
+      <a:schemeClr val="tx1"/>
+    </cs:fontRef>
+    <cs:spPr>
+      <a:ln w="19050" cap="rnd">
+        <a:solidFill>
+          <a:schemeClr val="phClr"/>
+        </a:solidFill>
+        <a:prstDash val="sysDot"/>
+      </a:ln>
+    </cs:spPr>
+  </cs:trendline>
+  <cs:trendlineLabel>
+    <cs:lnRef idx="0"/>
+    <cs:fillRef idx="0"/>
+    <cs:effectRef idx="0"/>
+    <cs:fontRef idx="minor">
+      <a:schemeClr val="tx1">
+        <a:lumMod val="65000"/>
+        <a:lumOff val="35000"/>
+      </a:schemeClr>
+    </cs:fontRef>
+    <cs:defRPr sz="900" kern="1200"/>
+  </cs:trendlineLabel>
+  <cs:upBar>
+    <cs:lnRef idx="0"/>
+    <cs:fillRef idx="0"/>
+    <cs:effectRef idx="0"/>
+    <cs:fontRef idx="minor">
+      <a:schemeClr val="dk1"/>
+    </cs:fontRef>
+    <cs:spPr>
+      <a:solidFill>
+        <a:schemeClr val="lt1"/>
+      </a:solidFill>
+      <a:ln w="9525">
+        <a:solidFill>
+          <a:schemeClr val="tx1">
+            <a:lumMod val="15000"/>
+            <a:lumOff val="85000"/>
+          </a:schemeClr>
+        </a:solidFill>
+      </a:ln>
+    </cs:spPr>
+  </cs:upBar>
+  <cs:valueAxis>
+    <cs:lnRef idx="0"/>
+    <cs:fillRef idx="0"/>
+    <cs:effectRef idx="0"/>
+    <cs:fontRef idx="minor">
+      <a:schemeClr val="tx1">
+        <a:lumMod val="65000"/>
+        <a:lumOff val="35000"/>
+      </a:schemeClr>
+    </cs:fontRef>
+    <cs:defRPr sz="900" kern="1200"/>
+  </cs:valueAxis>
+  <cs:wall>
+    <cs:lnRef idx="0"/>
+    <cs:fillRef idx="0"/>
+    <cs:effectRef idx="0"/>
+    <cs:fontRef idx="minor">
+      <a:schemeClr val="tx1"/>
+    </cs:fontRef>
+    <cs:spPr>
+      <a:noFill/>
+      <a:ln>
+        <a:noFill/>
+      </a:ln>
+    </cs:spPr>
+  </cs:wall>
+</cs:chartStyle>
 </file>
 
 <file path=ppt/slideLayouts/slideLayout1.xml><?xml version="1.0" encoding="utf-8"?>
@@ -4994,23 +7448,7 @@
             <a:pPr algn="just"/>
             <a:r>
               <a:rPr lang="en-US" sz="2800" dirty="0" smtClean="0"/>
-              <a:t>Poetry is one of the most </a:t>
-            </a:r>
-            <a:r>
-              <a:rPr lang="en-US" sz="2800" dirty="0" smtClean="0"/>
-              <a:t>expressive and notoriously difficult ways to use language. It </a:t>
-            </a:r>
-            <a:r>
-              <a:rPr lang="en-US" sz="2800" dirty="0" smtClean="0"/>
-              <a:t>is an interesting challenge to produce </a:t>
-            </a:r>
-            <a:r>
-              <a:rPr lang="en-US" sz="2800" dirty="0" smtClean="0"/>
-              <a:t>poetry </a:t>
-            </a:r>
-            <a:r>
-              <a:rPr lang="en-US" sz="2800" dirty="0" smtClean="0"/>
-              <a:t>that matches the </a:t>
+              <a:t>Poetry is one of the most expressive and notoriously difficult ways to use language. It is an interesting challenge to produce poetry that matches the </a:t>
             </a:r>
             <a:r>
               <a:rPr lang="en-US" sz="2800" b="1" dirty="0" smtClean="0"/>
@@ -5338,7 +7776,6 @@
               <a:rPr lang="en-US" sz="2800" dirty="0" smtClean="0"/>
               <a:t>stores:</a:t>
             </a:r>
-            <a:endParaRPr lang="en-US" sz="2800" dirty="0" smtClean="0"/>
           </a:p>
           <a:p>
             <a:pPr algn="just"/>
@@ -5359,15 +7796,7 @@
             <a:pPr algn="just"/>
             <a:r>
               <a:rPr lang="en-US" sz="2800" dirty="0" smtClean="0"/>
-              <a:t>    </a:t>
-            </a:r>
-            <a:r>
-              <a:rPr lang="en-US" sz="2800" dirty="0" smtClean="0"/>
-              <a:t>  </a:t>
-            </a:r>
-            <a:r>
-              <a:rPr lang="en-US" sz="2800" dirty="0" smtClean="0"/>
-              <a:t>- Number </a:t>
+              <a:t>      - Number </a:t>
             </a:r>
             <a:r>
               <a:rPr lang="en-US" sz="2800" dirty="0"/>
@@ -5401,11 +7830,7 @@
             </a:r>
             <a:r>
               <a:rPr lang="en-US" sz="2800" dirty="0" smtClean="0"/>
-              <a:t>     - </a:t>
-            </a:r>
-            <a:r>
-              <a:rPr lang="en-US" sz="2800" dirty="0" smtClean="0"/>
-              <a:t>Other </a:t>
+              <a:t>     - Other </a:t>
             </a:r>
             <a:r>
               <a:rPr lang="en-US" sz="2800" dirty="0"/>
@@ -5508,11 +7933,7 @@
               </a:r>
               <a:r>
                 <a:rPr lang="en-US" sz="2800" dirty="0" smtClean="0"/>
-                <a:t>problem where search backtracks upon constraint </a:t>
-              </a:r>
-              <a:r>
-                <a:rPr lang="en-US" sz="2800" dirty="0" smtClean="0"/>
-                <a:t>violation, where </a:t>
+                <a:t>problem where search backtracks upon constraint violation, where </a:t>
               </a:r>
               <a:r>
                 <a:rPr lang="en-US" sz="2800" b="1" dirty="0" smtClean="0"/>
@@ -5538,7 +7959,6 @@
                 <a:rPr lang="en-US" sz="2800" dirty="0" smtClean="0"/>
                 <a:t>(rhyming).</a:t>
               </a:r>
-              <a:endParaRPr lang="en-US" sz="2800" dirty="0" smtClean="0"/>
             </a:p>
           </p:txBody>
         </p:sp>
@@ -5715,11 +8135,7 @@
             <a:p>
               <a:r>
                 <a:rPr lang="en-US" sz="2400" i="1" dirty="0" smtClean="0"/>
-                <a:t>n = </a:t>
-              </a:r>
-              <a:r>
-                <a:rPr lang="en-US" sz="2400" i="1" dirty="0" smtClean="0"/>
-                <a:t>2, Example Search Tree</a:t>
+                <a:t>n = 2, Example Search Tree</a:t>
               </a:r>
             </a:p>
           </p:txBody>
@@ -5904,6 +8320,113 @@
           </a:fontRef>
         </p:style>
       </p:cxnSp>
+      <p:graphicFrame>
+        <p:nvGraphicFramePr>
+          <p:cNvPr id="29" name="Chart 28"/>
+          <p:cNvGraphicFramePr>
+            <a:graphicFrameLocks/>
+          </p:cNvGraphicFramePr>
+          <p:nvPr>
+            <p:extLst>
+              <p:ext uri="{D42A27DB-BD31-4B8C-83A1-F6EECF244321}">
+                <p14:modId xmlns:p14="http://schemas.microsoft.com/office/powerpoint/2010/main" val="2844230169"/>
+              </p:ext>
+            </p:extLst>
+          </p:nvPr>
+        </p:nvGraphicFramePr>
+        <p:xfrm>
+          <a:off x="19702537" y="8672494"/>
+          <a:ext cx="4572000" cy="2743200"/>
+        </p:xfrm>
+        <a:graphic>
+          <a:graphicData uri="http://schemas.openxmlformats.org/drawingml/2006/chart">
+            <c:chart xmlns:c="http://schemas.openxmlformats.org/drawingml/2006/chart" xmlns:r="http://schemas.openxmlformats.org/officeDocument/2006/relationships" r:id="rId4"/>
+          </a:graphicData>
+        </a:graphic>
+      </p:graphicFrame>
+      <p:graphicFrame>
+        <p:nvGraphicFramePr>
+          <p:cNvPr id="30" name="Chart 29"/>
+          <p:cNvGraphicFramePr>
+            <a:graphicFrameLocks/>
+          </p:cNvGraphicFramePr>
+          <p:nvPr>
+            <p:extLst>
+              <p:ext uri="{D42A27DB-BD31-4B8C-83A1-F6EECF244321}">
+                <p14:modId xmlns:p14="http://schemas.microsoft.com/office/powerpoint/2010/main" val="4130823458"/>
+              </p:ext>
+            </p:extLst>
+          </p:nvPr>
+        </p:nvGraphicFramePr>
+        <p:xfrm>
+          <a:off x="14774335" y="8254653"/>
+          <a:ext cx="4572000" cy="2743200"/>
+        </p:xfrm>
+        <a:graphic>
+          <a:graphicData uri="http://schemas.openxmlformats.org/drawingml/2006/chart">
+            <c:chart xmlns:c="http://schemas.openxmlformats.org/drawingml/2006/chart" xmlns:r="http://schemas.openxmlformats.org/officeDocument/2006/relationships" r:id="rId5"/>
+          </a:graphicData>
+        </a:graphic>
+      </p:graphicFrame>
+      <p:sp>
+        <p:nvSpPr>
+          <p:cNvPr id="32" name="TextBox 31"/>
+          <p:cNvSpPr txBox="1"/>
+          <p:nvPr/>
+        </p:nvSpPr>
+        <p:spPr>
+          <a:xfrm>
+            <a:off x="16129002" y="13171873"/>
+            <a:ext cx="11488235" cy="1384995"/>
+          </a:xfrm>
+          <a:prstGeom prst="rect">
+            <a:avLst/>
+          </a:prstGeom>
+          <a:noFill/>
+        </p:spPr>
+        <p:txBody>
+          <a:bodyPr wrap="square" rtlCol="0">
+            <a:spAutoFit/>
+          </a:bodyPr>
+          <a:lstStyle/>
+          <a:p>
+            <a:pPr algn="just"/>
+            <a:r>
+              <a:rPr lang="en-US" sz="2800" dirty="0" smtClean="0"/>
+              <a:t>Som</a:t>
+            </a:r>
+            <a:r>
+              <a:rPr lang="en-US" sz="2800" dirty="0"/>
+              <a:t>e NOTES: 8 lines, 8 syllables, every two lines rhyme; using simplified </a:t>
+            </a:r>
+            <a:r>
+              <a:rPr lang="en-US" sz="2800" dirty="0" smtClean="0"/>
+              <a:t>heuristics</a:t>
+            </a:r>
+            <a:r>
+              <a:rPr lang="en-US" sz="2800" dirty="0"/>
+              <a:t>; Kanye has 47273 </a:t>
+            </a:r>
+            <a:r>
+              <a:rPr lang="en-US" sz="2800" dirty="0" smtClean="0"/>
+              <a:t>lines</a:t>
+            </a:r>
+            <a:r>
+              <a:rPr lang="en-US" sz="2800" dirty="0"/>
+              <a:t>, Chance has 8678 </a:t>
+            </a:r>
+            <a:r>
+              <a:rPr lang="en-US" sz="2800" dirty="0" smtClean="0"/>
+              <a:t>lines. Scraped from </a:t>
+            </a:r>
+            <a:r>
+              <a:rPr lang="en-US" sz="2800" dirty="0" err="1" smtClean="0"/>
+              <a:t>rapgenius</a:t>
+            </a:r>
+            <a:endParaRPr lang="en-US" sz="2800" dirty="0" smtClean="0"/>
+          </a:p>
+        </p:txBody>
+      </p:sp>
     </p:spTree>
     <p:extLst>
       <p:ext uri="{BB962C8B-B14F-4D97-AF65-F5344CB8AC3E}">
@@ -5914,6 +8437,13 @@
   <p:clrMapOvr>
     <a:masterClrMapping/>
   </p:clrMapOvr>
+  <p:timing>
+    <p:tnLst>
+      <p:par>
+        <p:cTn id="1" dur="indefinite" restart="never" nodeType="tmRoot"/>
+      </p:par>
+    </p:tnLst>
+  </p:timing>
 </p:sld>
 </file>
 

--- a/newposter.pptx
+++ b/newposter.pptx
@@ -293,7 +293,7 @@
             <c:numRef>
               <c:f>Sheet1!$N$5:$N$7</c:f>
               <c:numCache>
-                <c:formatCode>0.000</c:formatCode>
+                <c:formatCode>General</c:formatCode>
                 <c:ptCount val="3"/>
               </c:numCache>
             </c:numRef>
@@ -308,8 +308,8 @@
           <c:showBubbleSize val="0"/>
         </c:dLbls>
         <c:gapWidth val="219"/>
-        <c:axId val="204699728"/>
-        <c:axId val="204696928"/>
+        <c:axId val="155212448"/>
+        <c:axId val="155213568"/>
       </c:barChart>
       <c:barChart>
         <c:barDir val="col"/>
@@ -332,7 +332,7 @@
             <c:numRef>
               <c:f>Sheet1!$O$5:$O$7</c:f>
               <c:numCache>
-                <c:formatCode>0.000</c:formatCode>
+                <c:formatCode>General</c:formatCode>
                 <c:ptCount val="3"/>
               </c:numCache>
             </c:numRef>
@@ -384,11 +384,11 @@
           <c:showBubbleSize val="0"/>
         </c:dLbls>
         <c:gapWidth val="219"/>
-        <c:axId val="207787504"/>
-        <c:axId val="207786944"/>
+        <c:axId val="155214688"/>
+        <c:axId val="155210768"/>
       </c:barChart>
       <c:catAx>
-        <c:axId val="204699728"/>
+        <c:axId val="155212448"/>
         <c:scaling>
           <c:orientation val="minMax"/>
         </c:scaling>
@@ -487,7 +487,7 @@
             <a:endParaRPr lang="en-US"/>
           </a:p>
         </c:txPr>
-        <c:crossAx val="204696928"/>
+        <c:crossAx val="155213568"/>
         <c:crosses val="autoZero"/>
         <c:auto val="1"/>
         <c:lblAlgn val="ctr"/>
@@ -495,7 +495,7 @@
         <c:noMultiLvlLbl val="0"/>
       </c:catAx>
       <c:valAx>
-        <c:axId val="204696928"/>
+        <c:axId val="155213568"/>
         <c:scaling>
           <c:orientation val="minMax"/>
         </c:scaling>
@@ -607,12 +607,12 @@
             <a:endParaRPr lang="en-US"/>
           </a:p>
         </c:txPr>
-        <c:crossAx val="204699728"/>
+        <c:crossAx val="155212448"/>
         <c:crosses val="autoZero"/>
         <c:crossBetween val="between"/>
       </c:valAx>
       <c:valAx>
-        <c:axId val="207786944"/>
+        <c:axId val="155210768"/>
         <c:scaling>
           <c:orientation val="minMax"/>
         </c:scaling>
@@ -705,12 +705,12 @@
             <a:endParaRPr lang="en-US"/>
           </a:p>
         </c:txPr>
-        <c:crossAx val="207787504"/>
+        <c:crossAx val="155214688"/>
         <c:crosses val="max"/>
         <c:crossBetween val="between"/>
       </c:valAx>
       <c:catAx>
-        <c:axId val="207787504"/>
+        <c:axId val="155214688"/>
         <c:scaling>
           <c:orientation val="minMax"/>
         </c:scaling>
@@ -719,7 +719,7 @@
         <c:majorTickMark val="out"/>
         <c:minorTickMark val="none"/>
         <c:tickLblPos val="nextTo"/>
-        <c:crossAx val="207786944"/>
+        <c:crossAx val="155210768"/>
         <c:crosses val="autoZero"/>
         <c:auto val="1"/>
         <c:lblAlgn val="ctr"/>
@@ -971,7 +971,7 @@
             <c:numRef>
               <c:f>Sheet1!$C$5:$C$7</c:f>
               <c:numCache>
-                <c:formatCode>0.00</c:formatCode>
+                <c:formatCode>General</c:formatCode>
                 <c:ptCount val="3"/>
               </c:numCache>
             </c:numRef>
@@ -986,8 +986,8 @@
           <c:showBubbleSize val="0"/>
         </c:dLbls>
         <c:gapWidth val="219"/>
-        <c:axId val="215908016"/>
-        <c:axId val="215902416"/>
+        <c:axId val="157158592"/>
+        <c:axId val="157374480"/>
       </c:barChart>
       <c:barChart>
         <c:barDir val="col"/>
@@ -1010,7 +1010,7 @@
             <c:numRef>
               <c:f>Sheet1!$D$5:$D$7</c:f>
               <c:numCache>
-                <c:formatCode>0.00</c:formatCode>
+                <c:formatCode>General</c:formatCode>
                 <c:ptCount val="3"/>
               </c:numCache>
             </c:numRef>
@@ -1062,11 +1062,11 @@
           <c:showBubbleSize val="0"/>
         </c:dLbls>
         <c:gapWidth val="219"/>
-        <c:axId val="215911376"/>
-        <c:axId val="215913056"/>
+        <c:axId val="157375600"/>
+        <c:axId val="157375040"/>
       </c:barChart>
       <c:catAx>
-        <c:axId val="215908016"/>
+        <c:axId val="157158592"/>
         <c:scaling>
           <c:orientation val="minMax"/>
         </c:scaling>
@@ -1165,7 +1165,7 @@
             <a:endParaRPr lang="en-US"/>
           </a:p>
         </c:txPr>
-        <c:crossAx val="215902416"/>
+        <c:crossAx val="157374480"/>
         <c:crosses val="autoZero"/>
         <c:auto val="1"/>
         <c:lblAlgn val="ctr"/>
@@ -1173,7 +1173,7 @@
         <c:noMultiLvlLbl val="0"/>
       </c:catAx>
       <c:valAx>
-        <c:axId val="215902416"/>
+        <c:axId val="157374480"/>
         <c:scaling>
           <c:orientation val="minMax"/>
         </c:scaling>
@@ -1292,12 +1292,12 @@
             <a:endParaRPr lang="en-US"/>
           </a:p>
         </c:txPr>
-        <c:crossAx val="215908016"/>
+        <c:crossAx val="157158592"/>
         <c:crosses val="autoZero"/>
         <c:crossBetween val="between"/>
       </c:valAx>
       <c:valAx>
-        <c:axId val="215913056"/>
+        <c:axId val="157375040"/>
         <c:scaling>
           <c:orientation val="minMax"/>
         </c:scaling>
@@ -1395,12 +1395,12 @@
             <a:endParaRPr lang="en-US"/>
           </a:p>
         </c:txPr>
-        <c:crossAx val="215911376"/>
+        <c:crossAx val="157375600"/>
         <c:crosses val="max"/>
         <c:crossBetween val="between"/>
       </c:valAx>
       <c:catAx>
-        <c:axId val="215911376"/>
+        <c:axId val="157375600"/>
         <c:scaling>
           <c:orientation val="minMax"/>
         </c:scaling>
@@ -1409,7 +1409,7 @@
         <c:majorTickMark val="out"/>
         <c:minorTickMark val="none"/>
         <c:tickLblPos val="nextTo"/>
-        <c:crossAx val="215913056"/>
+        <c:crossAx val="157375040"/>
         <c:crosses val="autoZero"/>
         <c:auto val="1"/>
         <c:lblAlgn val="ctr"/>
@@ -8377,7 +8377,7 @@
         <p:spPr>
           <a:xfrm>
             <a:off x="16129002" y="13171873"/>
-            <a:ext cx="11488235" cy="1384995"/>
+            <a:ext cx="11488235" cy="2246769"/>
           </a:xfrm>
           <a:prstGeom prst="rect">
             <a:avLst/>
@@ -8422,6 +8422,14 @@
             <a:r>
               <a:rPr lang="en-US" sz="2800" dirty="0" err="1" smtClean="0"/>
               <a:t>rapgenius</a:t>
+            </a:r>
+            <a:r>
+              <a:rPr lang="en-US" sz="2800" dirty="0" smtClean="0"/>
+              <a:t>. Percent completed is percent w/ solution found. Semantic score was from 1-5. 1 is “no semantic meaning whatsoever”. 5 is “fully semantically meaningful”. </a:t>
+            </a:r>
+            <a:r>
+              <a:rPr lang="en-US" sz="2800" dirty="0" smtClean="0"/>
+              <a:t>Tests given to current Stanford students.</a:t>
             </a:r>
             <a:endParaRPr lang="en-US" sz="2800" dirty="0" smtClean="0"/>
           </a:p>
